--- a/spring_leebs/src/main/webapp/WEB-INF/doc/프로젝트 계획서 견본_김태호.pptx
+++ b/spring_leebs/src/main/webapp/WEB-INF/doc/프로젝트 계획서 견본_김태호.pptx
@@ -5,13 +5,10 @@
     <p:sldMasterId id="2147483648" r:id="rId1"/>
   </p:sldMasterIdLst>
   <p:sldIdLst>
-    <p:sldId id="256" r:id="rId2"/>
-    <p:sldId id="265" r:id="rId3"/>
+    <p:sldId id="265" r:id="rId2"/>
+    <p:sldId id="267" r:id="rId3"/>
     <p:sldId id="257" r:id="rId4"/>
     <p:sldId id="266" r:id="rId5"/>
-    <p:sldId id="259" r:id="rId6"/>
-    <p:sldId id="267" r:id="rId7"/>
-    <p:sldId id="268" r:id="rId8"/>
   </p:sldIdLst>
   <p:sldSz cx="9144000" cy="6858000" type="screen4x3"/>
   <p:notesSz cx="6858000" cy="9144000"/>
@@ -110,6 +107,22 @@
       </a:defRPr>
     </a:lvl9pPr>
   </p:defaultTextStyle>
+  <p:extLst>
+    <p:ext uri="{EFAFB233-063F-42B5-8137-9DF3F51BA10A}">
+      <p15:sldGuideLst xmlns:p15="http://schemas.microsoft.com/office/powerpoint/2012/main">
+        <p15:guide id="1" orient="horz" pos="2160">
+          <p15:clr>
+            <a:srgbClr val="A4A3A4"/>
+          </p15:clr>
+        </p15:guide>
+        <p15:guide id="2" pos="2880">
+          <p15:clr>
+            <a:srgbClr val="A4A3A4"/>
+          </p15:clr>
+        </p15:guide>
+      </p15:sldGuideLst>
+    </p:ext>
+  </p:extLst>
 </p:presentation>
 </file>
 
@@ -294,7 +307,7 @@
           <a:p>
             <a:fld id="{11B89839-C5B3-4BF0-8B00-C67CD5BF7245}" type="datetimeFigureOut">
               <a:rPr lang="ko-KR" altLang="en-US" smtClean="0"/>
-              <a:t>2017-10-23</a:t>
+              <a:t>2017-11-14</a:t>
             </a:fld>
             <a:endParaRPr lang="ko-KR" altLang="en-US"/>
           </a:p>
@@ -464,7 +477,7 @@
           <a:p>
             <a:fld id="{11B89839-C5B3-4BF0-8B00-C67CD5BF7245}" type="datetimeFigureOut">
               <a:rPr lang="ko-KR" altLang="en-US" smtClean="0"/>
-              <a:t>2017-10-23</a:t>
+              <a:t>2017-11-14</a:t>
             </a:fld>
             <a:endParaRPr lang="ko-KR" altLang="en-US"/>
           </a:p>
@@ -644,7 +657,7 @@
           <a:p>
             <a:fld id="{11B89839-C5B3-4BF0-8B00-C67CD5BF7245}" type="datetimeFigureOut">
               <a:rPr lang="ko-KR" altLang="en-US" smtClean="0"/>
-              <a:t>2017-10-23</a:t>
+              <a:t>2017-11-14</a:t>
             </a:fld>
             <a:endParaRPr lang="ko-KR" altLang="en-US"/>
           </a:p>
@@ -814,7 +827,7 @@
           <a:p>
             <a:fld id="{11B89839-C5B3-4BF0-8B00-C67CD5BF7245}" type="datetimeFigureOut">
               <a:rPr lang="ko-KR" altLang="en-US" smtClean="0"/>
-              <a:t>2017-10-23</a:t>
+              <a:t>2017-11-14</a:t>
             </a:fld>
             <a:endParaRPr lang="ko-KR" altLang="en-US"/>
           </a:p>
@@ -1060,7 +1073,7 @@
           <a:p>
             <a:fld id="{11B89839-C5B3-4BF0-8B00-C67CD5BF7245}" type="datetimeFigureOut">
               <a:rPr lang="ko-KR" altLang="en-US" smtClean="0"/>
-              <a:t>2017-10-23</a:t>
+              <a:t>2017-11-14</a:t>
             </a:fld>
             <a:endParaRPr lang="ko-KR" altLang="en-US"/>
           </a:p>
@@ -1348,7 +1361,7 @@
           <a:p>
             <a:fld id="{11B89839-C5B3-4BF0-8B00-C67CD5BF7245}" type="datetimeFigureOut">
               <a:rPr lang="ko-KR" altLang="en-US" smtClean="0"/>
-              <a:t>2017-10-23</a:t>
+              <a:t>2017-11-14</a:t>
             </a:fld>
             <a:endParaRPr lang="ko-KR" altLang="en-US"/>
           </a:p>
@@ -1770,7 +1783,7 @@
           <a:p>
             <a:fld id="{11B89839-C5B3-4BF0-8B00-C67CD5BF7245}" type="datetimeFigureOut">
               <a:rPr lang="ko-KR" altLang="en-US" smtClean="0"/>
-              <a:t>2017-10-23</a:t>
+              <a:t>2017-11-14</a:t>
             </a:fld>
             <a:endParaRPr lang="ko-KR" altLang="en-US"/>
           </a:p>
@@ -1888,7 +1901,7 @@
           <a:p>
             <a:fld id="{11B89839-C5B3-4BF0-8B00-C67CD5BF7245}" type="datetimeFigureOut">
               <a:rPr lang="ko-KR" altLang="en-US" smtClean="0"/>
-              <a:t>2017-10-23</a:t>
+              <a:t>2017-11-14</a:t>
             </a:fld>
             <a:endParaRPr lang="ko-KR" altLang="en-US"/>
           </a:p>
@@ -1983,7 +1996,7 @@
           <a:p>
             <a:fld id="{11B89839-C5B3-4BF0-8B00-C67CD5BF7245}" type="datetimeFigureOut">
               <a:rPr lang="ko-KR" altLang="en-US" smtClean="0"/>
-              <a:t>2017-10-23</a:t>
+              <a:t>2017-11-14</a:t>
             </a:fld>
             <a:endParaRPr lang="ko-KR" altLang="en-US"/>
           </a:p>
@@ -2260,7 +2273,7 @@
           <a:p>
             <a:fld id="{11B89839-C5B3-4BF0-8B00-C67CD5BF7245}" type="datetimeFigureOut">
               <a:rPr lang="ko-KR" altLang="en-US" smtClean="0"/>
-              <a:t>2017-10-23</a:t>
+              <a:t>2017-11-14</a:t>
             </a:fld>
             <a:endParaRPr lang="ko-KR" altLang="en-US"/>
           </a:p>
@@ -2513,7 +2526,7 @@
           <a:p>
             <a:fld id="{11B89839-C5B3-4BF0-8B00-C67CD5BF7245}" type="datetimeFigureOut">
               <a:rPr lang="ko-KR" altLang="en-US" smtClean="0"/>
-              <a:t>2017-10-23</a:t>
+              <a:t>2017-11-14</a:t>
             </a:fld>
             <a:endParaRPr lang="ko-KR" altLang="en-US"/>
           </a:p>
@@ -2726,7 +2739,7 @@
           <a:p>
             <a:fld id="{11B89839-C5B3-4BF0-8B00-C67CD5BF7245}" type="datetimeFigureOut">
               <a:rPr lang="ko-KR" altLang="en-US" smtClean="0"/>
-              <a:t>2017-10-23</a:t>
+              <a:t>2017-11-14</a:t>
             </a:fld>
             <a:endParaRPr lang="ko-KR" altLang="en-US"/>
           </a:p>
@@ -3125,37 +3138,106 @@
           <a:p>
             <a:pPr algn="ctr"/>
             <a:r>
-              <a:rPr lang="ko-KR" altLang="en-US" sz="2000" b="1" dirty="0">
+              <a:rPr lang="ko-KR" altLang="en-US" sz="2000" b="1" dirty="0" smtClean="0">
                 <a:solidFill>
                   <a:prstClr val="black"/>
                 </a:solidFill>
               </a:rPr>
-              <a:t>기능 설명</a:t>
-            </a:r>
-            <a:r>
-              <a:rPr lang="en-US" altLang="ko-KR" sz="2000" b="1" dirty="0">
+              <a:t>개인별 </a:t>
+            </a:r>
+            <a:r>
+              <a:rPr lang="ko-KR" altLang="en-US" sz="2000" b="1" dirty="0" smtClean="0">
                 <a:solidFill>
                   <a:prstClr val="black"/>
                 </a:solidFill>
               </a:rPr>
-              <a:t>_</a:t>
-            </a:r>
-            <a:r>
-              <a:rPr lang="ko-KR" altLang="en-US" sz="2000" b="1" dirty="0">
-                <a:solidFill>
-                  <a:prstClr val="black"/>
-                </a:solidFill>
-              </a:rPr>
-              <a:t>첫 번째 기능</a:t>
-            </a:r>
+              <a:t>추천도서</a:t>
+            </a:r>
+            <a:endParaRPr lang="ko-KR" altLang="en-US" sz="2000" b="1" dirty="0">
+              <a:solidFill>
+                <a:prstClr val="black"/>
+              </a:solidFill>
+            </a:endParaRPr>
+          </a:p>
+        </p:txBody>
+      </p:sp>
+      <p:sp>
+        <p:nvSpPr>
+          <p:cNvPr id="8" name="직사각형 7"/>
+          <p:cNvSpPr/>
+          <p:nvPr/>
+        </p:nvSpPr>
+        <p:spPr>
+          <a:xfrm>
+            <a:off x="1041163" y="5445224"/>
+            <a:ext cx="6989666" cy="584775"/>
+          </a:xfrm>
+          <a:prstGeom prst="rect">
+            <a:avLst/>
+          </a:prstGeom>
+        </p:spPr>
+        <p:txBody>
+          <a:bodyPr wrap="square">
+            <a:spAutoFit/>
+          </a:bodyPr>
+          <a:lstStyle/>
+          <a:p>
+            <a:r>
+              <a:rPr lang="ko-KR" altLang="en-US" sz="1600" dirty="0" smtClean="0"/>
+              <a:t>장르</a:t>
+            </a:r>
+            <a:r>
+              <a:rPr lang="en-US" altLang="ko-KR" sz="1600" dirty="0" smtClean="0"/>
+              <a:t>, </a:t>
+            </a:r>
+            <a:r>
+              <a:rPr lang="ko-KR" altLang="en-US" sz="1600" dirty="0" smtClean="0"/>
+              <a:t>누적판매량</a:t>
+            </a:r>
+            <a:r>
+              <a:rPr lang="en-US" altLang="ko-KR" sz="1600" dirty="0" smtClean="0"/>
+              <a:t>, </a:t>
+            </a:r>
+            <a:r>
+              <a:rPr lang="ko-KR" altLang="en-US" sz="1600" dirty="0" smtClean="0"/>
+              <a:t>조회수</a:t>
+            </a:r>
+            <a:r>
+              <a:rPr lang="en-US" altLang="ko-KR" sz="1600" dirty="0" smtClean="0"/>
+              <a:t>, </a:t>
+            </a:r>
+            <a:r>
+              <a:rPr lang="ko-KR" altLang="en-US" sz="1600" dirty="0" smtClean="0"/>
+              <a:t>이벤트에 각각 다른 가중치를 부여해서</a:t>
+            </a:r>
+            <a:endParaRPr lang="en-US" altLang="ko-KR" sz="1600" dirty="0" smtClean="0"/>
+          </a:p>
+          <a:p>
+            <a:r>
+              <a:rPr lang="ko-KR" altLang="en-US" sz="1600" dirty="0" err="1" smtClean="0"/>
+              <a:t>유저별</a:t>
+            </a:r>
+            <a:r>
+              <a:rPr lang="ko-KR" altLang="en-US" sz="1600" dirty="0" smtClean="0"/>
+              <a:t> </a:t>
+            </a:r>
+            <a:r>
+              <a:rPr lang="ko-KR" altLang="en-US" sz="1600" dirty="0"/>
+              <a:t>추천하는 도서를 순위별로 </a:t>
+            </a:r>
+            <a:r>
+              <a:rPr lang="ko-KR" altLang="en-US" sz="1600" dirty="0" smtClean="0"/>
+              <a:t>나타냄</a:t>
+            </a:r>
+            <a:endParaRPr lang="en-US" altLang="ko-KR" sz="1600" dirty="0" smtClean="0"/>
           </a:p>
         </p:txBody>
       </p:sp>
       <p:pic>
         <p:nvPicPr>
-          <p:cNvPr id="1028" name="Picture 4"/>
+          <p:cNvPr id="2" name="그림 1"/>
           <p:cNvPicPr>
-            <a:picLocks noChangeAspect="1" noChangeArrowheads="1"/>
+            <a:picLocks noChangeAspect="1"/>
           </p:cNvPicPr>
           <p:nvPr/>
         </p:nvPicPr>
@@ -3167,149 +3249,24 @@
               </a:ext>
             </a:extLst>
           </a:blip>
-          <a:srcRect/>
           <a:stretch>
             <a:fillRect/>
           </a:stretch>
         </p:blipFill>
-        <p:spPr bwMode="auto">
+        <p:spPr>
           <a:xfrm>
-            <a:off x="1376091" y="836712"/>
-            <a:ext cx="6319809" cy="5055847"/>
+            <a:off x="0" y="680715"/>
+            <a:ext cx="9144000" cy="4548485"/>
           </a:xfrm>
           <a:prstGeom prst="rect">
             <a:avLst/>
           </a:prstGeom>
-          <a:noFill/>
-          <a:ln>
-            <a:noFill/>
-          </a:ln>
-          <a:extLst>
-            <a:ext uri="{909E8E84-426E-40DD-AFC4-6F175D3DCCD1}">
-              <a14:hiddenFill xmlns:a14="http://schemas.microsoft.com/office/drawing/2010/main">
-                <a:solidFill>
-                  <a:schemeClr val="accent1"/>
-                </a:solidFill>
-              </a14:hiddenFill>
-            </a:ext>
-            <a:ext uri="{91240B29-F687-4F45-9708-019B960494DF}">
-              <a14:hiddenLine xmlns:a14="http://schemas.microsoft.com/office/drawing/2010/main" w="9525">
-                <a:solidFill>
-                  <a:schemeClr val="tx1"/>
-                </a:solidFill>
-                <a:miter lim="800000"/>
-                <a:headEnd/>
-                <a:tailEnd/>
-              </a14:hiddenLine>
-            </a:ext>
-          </a:extLst>
         </p:spPr>
       </p:pic>
-      <p:sp>
-        <p:nvSpPr>
-          <p:cNvPr id="5" name="TextBox 4"/>
-          <p:cNvSpPr txBox="1"/>
-          <p:nvPr/>
-        </p:nvSpPr>
-        <p:spPr>
-          <a:xfrm>
-            <a:off x="827583" y="6151475"/>
-            <a:ext cx="7416824" cy="338554"/>
-          </a:xfrm>
-          <a:prstGeom prst="rect">
-            <a:avLst/>
-          </a:prstGeom>
-          <a:noFill/>
-        </p:spPr>
-        <p:txBody>
-          <a:bodyPr wrap="square" rtlCol="0">
-            <a:spAutoFit/>
-          </a:bodyPr>
-          <a:lstStyle/>
-          <a:p>
-            <a:pPr algn="ctr"/>
-            <a:r>
-              <a:rPr lang="ko-KR" altLang="en-US" sz="1600" dirty="0" smtClean="0">
-                <a:latin typeface="맑은 고딕" panose="020B0503020000020004" pitchFamily="50" charset="-127"/>
-                <a:ea typeface="맑은 고딕" panose="020B0503020000020004" pitchFamily="50" charset="-127"/>
-                <a:cs typeface="함초롬바탕" panose="02030504000101010101" pitchFamily="18" charset="-127"/>
-              </a:rPr>
-              <a:t>보통</a:t>
-            </a:r>
-            <a:r>
-              <a:rPr lang="en-US" altLang="ko-KR" sz="1600" dirty="0" smtClean="0">
-                <a:latin typeface="맑은 고딕" panose="020B0503020000020004" pitchFamily="50" charset="-127"/>
-                <a:ea typeface="맑은 고딕" panose="020B0503020000020004" pitchFamily="50" charset="-127"/>
-                <a:cs typeface="함초롬바탕" panose="02030504000101010101" pitchFamily="18" charset="-127"/>
-              </a:rPr>
-              <a:t>, </a:t>
-            </a:r>
-            <a:r>
-              <a:rPr lang="ko-KR" altLang="en-US" sz="1600" dirty="0" smtClean="0">
-                <a:latin typeface="맑은 고딕" panose="020B0503020000020004" pitchFamily="50" charset="-127"/>
-                <a:ea typeface="맑은 고딕" panose="020B0503020000020004" pitchFamily="50" charset="-127"/>
-                <a:cs typeface="함초롬바탕" panose="02030504000101010101" pitchFamily="18" charset="-127"/>
-              </a:rPr>
-              <a:t>사이트 메인 페이지에는 특정 기준이나 순위에 의해 </a:t>
-            </a:r>
-            <a:r>
-              <a:rPr lang="ko-KR" altLang="en-US" sz="1600" smtClean="0">
-                <a:latin typeface="맑은 고딕" panose="020B0503020000020004" pitchFamily="50" charset="-127"/>
-                <a:ea typeface="맑은 고딕" panose="020B0503020000020004" pitchFamily="50" charset="-127"/>
-                <a:cs typeface="함초롬바탕" panose="02030504000101010101" pitchFamily="18" charset="-127"/>
-              </a:rPr>
-              <a:t>상품들이 노출된다  </a:t>
-            </a:r>
-            <a:endParaRPr lang="ko-KR" altLang="en-US" sz="1600" dirty="0">
-              <a:latin typeface="맑은 고딕" panose="020B0503020000020004" pitchFamily="50" charset="-127"/>
-              <a:ea typeface="맑은 고딕" panose="020B0503020000020004" pitchFamily="50" charset="-127"/>
-              <a:cs typeface="함초롬바탕" panose="02030504000101010101" pitchFamily="18" charset="-127"/>
-            </a:endParaRPr>
-          </a:p>
-        </p:txBody>
-      </p:sp>
-      <p:sp>
-        <p:nvSpPr>
-          <p:cNvPr id="2" name="TextBox 1"/>
-          <p:cNvSpPr txBox="1"/>
-          <p:nvPr/>
-        </p:nvSpPr>
-        <p:spPr>
-          <a:xfrm rot="13948480">
-            <a:off x="4558915" y="520319"/>
-            <a:ext cx="1292662" cy="5688632"/>
-          </a:xfrm>
-          <a:prstGeom prst="rect">
-            <a:avLst/>
-          </a:prstGeom>
-          <a:noFill/>
-        </p:spPr>
-        <p:txBody>
-          <a:bodyPr vert="eaVert" wrap="square" rtlCol="0">
-            <a:spAutoFit/>
-          </a:bodyPr>
-          <a:lstStyle/>
-          <a:p>
-            <a:r>
-              <a:rPr lang="en-US" altLang="ko-KR" sz="7200" b="1" smtClean="0">
-                <a:solidFill>
-                  <a:srgbClr val="FF0000"/>
-                </a:solidFill>
-              </a:rPr>
-              <a:t>EXAMPLE</a:t>
-            </a:r>
-            <a:endParaRPr lang="ko-KR" altLang="en-US" sz="7200" b="1">
-              <a:solidFill>
-                <a:srgbClr val="FF0000"/>
-              </a:solidFill>
-            </a:endParaRPr>
-          </a:p>
-        </p:txBody>
-      </p:sp>
     </p:spTree>
     <p:extLst>
       <p:ext uri="{BB962C8B-B14F-4D97-AF65-F5344CB8AC3E}">
-        <p14:creationId xmlns:p14="http://schemas.microsoft.com/office/powerpoint/2010/main" val="2277902593"/>
+        <p14:creationId xmlns:p14="http://schemas.microsoft.com/office/powerpoint/2010/main" val="2682269332"/>
       </p:ext>
     </p:extLst>
   </p:cSld>
@@ -3336,16 +3293,40 @@
           <a:chExt cx="0" cy="0"/>
         </a:xfrm>
       </p:grpSpPr>
-      <p:sp>
-        <p:nvSpPr>
-          <p:cNvPr id="4" name="TextBox 3"/>
+      <p:pic>
+        <p:nvPicPr>
+          <p:cNvPr id="2" name="그림 1"/>
+          <p:cNvPicPr>
+            <a:picLocks noChangeAspect="1"/>
+          </p:cNvPicPr>
+          <p:nvPr/>
+        </p:nvPicPr>
+        <p:blipFill>
+          <a:blip r:embed="rId2"/>
+          <a:stretch>
+            <a:fillRect/>
+          </a:stretch>
+        </p:blipFill>
+        <p:spPr>
+          <a:xfrm>
+            <a:off x="827584" y="620688"/>
+            <a:ext cx="5410200" cy="2971800"/>
+          </a:xfrm>
+          <a:prstGeom prst="rect">
+            <a:avLst/>
+          </a:prstGeom>
+        </p:spPr>
+      </p:pic>
+      <p:sp>
+        <p:nvSpPr>
+          <p:cNvPr id="3" name="TextBox 2"/>
           <p:cNvSpPr txBox="1"/>
           <p:nvPr/>
         </p:nvSpPr>
         <p:spPr>
           <a:xfrm>
-            <a:off x="1439652" y="233145"/>
-            <a:ext cx="6192688" cy="400110"/>
+            <a:off x="251520" y="6165304"/>
+            <a:ext cx="8117928" cy="369332"/>
           </a:xfrm>
           <a:prstGeom prst="rect">
             <a:avLst/>
@@ -3353,268 +3334,99 @@
           <a:noFill/>
         </p:spPr>
         <p:txBody>
-          <a:bodyPr wrap="square" rtlCol="0">
+          <a:bodyPr wrap="none" rtlCol="0">
             <a:spAutoFit/>
           </a:bodyPr>
           <a:lstStyle/>
           <a:p>
-            <a:pPr algn="ctr"/>
-            <a:r>
-              <a:rPr lang="ko-KR" altLang="en-US" sz="2000" b="1" dirty="0">
-                <a:solidFill>
-                  <a:prstClr val="black"/>
-                </a:solidFill>
-              </a:rPr>
-              <a:t>기능 설명</a:t>
-            </a:r>
-            <a:r>
-              <a:rPr lang="en-US" altLang="ko-KR" sz="2000" b="1" dirty="0">
-                <a:solidFill>
-                  <a:prstClr val="black"/>
-                </a:solidFill>
-              </a:rPr>
-              <a:t>_</a:t>
-            </a:r>
-            <a:r>
-              <a:rPr lang="ko-KR" altLang="en-US" sz="2000" b="1" dirty="0">
-                <a:solidFill>
-                  <a:prstClr val="black"/>
-                </a:solidFill>
-              </a:rPr>
-              <a:t>첫 번째 기능</a:t>
-            </a:r>
-          </a:p>
-        </p:txBody>
-      </p:sp>
-      <p:sp>
-        <p:nvSpPr>
-          <p:cNvPr id="6" name="직사각형 5"/>
+            <a:r>
+              <a:rPr lang="en-US" altLang="ko-KR" dirty="0" smtClean="0"/>
+              <a:t>Ex) </a:t>
+            </a:r>
+            <a:r>
+              <a:rPr lang="ko-KR" altLang="en-US" dirty="0" smtClean="0"/>
+              <a:t>구매했던 책의 장르 또는 작가</a:t>
+            </a:r>
+            <a:r>
+              <a:rPr lang="en-US" altLang="ko-KR" dirty="0" smtClean="0"/>
+              <a:t>*10000pt + </a:t>
+            </a:r>
+            <a:r>
+              <a:rPr lang="ko-KR" altLang="en-US" dirty="0" smtClean="0"/>
+              <a:t>누적판매량</a:t>
+            </a:r>
+            <a:r>
+              <a:rPr lang="en-US" altLang="ko-KR" dirty="0" smtClean="0"/>
+              <a:t>*10pt + </a:t>
+            </a:r>
+            <a:r>
+              <a:rPr lang="ko-KR" altLang="en-US" dirty="0" smtClean="0"/>
+              <a:t>조회수</a:t>
+            </a:r>
+            <a:r>
+              <a:rPr lang="en-US" altLang="ko-KR" dirty="0" smtClean="0"/>
+              <a:t>*1pt</a:t>
+            </a:r>
+            <a:endParaRPr lang="ko-KR" altLang="en-US" dirty="0"/>
+          </a:p>
+        </p:txBody>
+      </p:sp>
+      <p:sp>
+        <p:nvSpPr>
+          <p:cNvPr id="4" name="직사각형 3"/>
           <p:cNvSpPr/>
           <p:nvPr/>
         </p:nvSpPr>
         <p:spPr>
           <a:xfrm>
-            <a:off x="1115616" y="1214137"/>
-            <a:ext cx="6840760" cy="584775"/>
-          </a:xfrm>
-          <a:prstGeom prst="rect">
-            <a:avLst/>
-          </a:prstGeom>
-        </p:spPr>
-        <p:txBody>
-          <a:bodyPr wrap="square">
-            <a:spAutoFit/>
-          </a:bodyPr>
-          <a:lstStyle/>
-          <a:p>
-            <a:r>
-              <a:rPr lang="ko-KR" altLang="en-US" sz="1600" dirty="0" smtClean="0"/>
-              <a:t>하지만 </a:t>
-            </a:r>
-            <a:r>
-              <a:rPr lang="ko-KR" altLang="en-US" sz="1600" dirty="0"/>
-              <a:t>이는 </a:t>
-            </a:r>
-            <a:r>
-              <a:rPr lang="ko-KR" altLang="en-US" sz="1600" b="1" dirty="0"/>
-              <a:t>기업에 의해 정해진 노출</a:t>
-            </a:r>
-            <a:r>
-              <a:rPr lang="ko-KR" altLang="en-US" sz="1600" dirty="0"/>
-              <a:t>로</a:t>
-            </a:r>
-            <a:r>
-              <a:rPr lang="en-US" altLang="ko-KR" sz="1600" dirty="0"/>
-              <a:t>, </a:t>
-            </a:r>
-            <a:endParaRPr lang="en-US" altLang="ko-KR" sz="1600" dirty="0" smtClean="0"/>
-          </a:p>
-          <a:p>
-            <a:r>
-              <a:rPr lang="ko-KR" altLang="en-US" sz="1600" u="sng" dirty="0" smtClean="0"/>
-              <a:t>소비자 </a:t>
-            </a:r>
-            <a:r>
-              <a:rPr lang="ko-KR" altLang="en-US" sz="1600" u="sng" dirty="0"/>
-              <a:t>자신의 </a:t>
-            </a:r>
-            <a:r>
-              <a:rPr lang="ko-KR" altLang="en-US" sz="1600" u="sng" dirty="0" smtClean="0"/>
-              <a:t>선호 및 취향과는 별개의 사항</a:t>
-            </a:r>
-            <a:r>
-              <a:rPr lang="ko-KR" altLang="en-US" sz="1600" dirty="0" smtClean="0"/>
-              <a:t>이다</a:t>
-            </a:r>
-            <a:endParaRPr lang="ko-KR" altLang="en-US" sz="1600" dirty="0"/>
-          </a:p>
-        </p:txBody>
-      </p:sp>
-      <p:sp>
-        <p:nvSpPr>
-          <p:cNvPr id="7" name="직사각형 6"/>
-          <p:cNvSpPr/>
-          <p:nvPr/>
-        </p:nvSpPr>
-        <p:spPr>
-          <a:xfrm>
-            <a:off x="1115616" y="2237637"/>
-            <a:ext cx="6696744" cy="584775"/>
-          </a:xfrm>
-          <a:prstGeom prst="rect">
-            <a:avLst/>
-          </a:prstGeom>
-        </p:spPr>
-        <p:txBody>
-          <a:bodyPr wrap="square">
-            <a:spAutoFit/>
-          </a:bodyPr>
-          <a:lstStyle/>
-          <a:p>
-            <a:r>
-              <a:rPr lang="ko-KR" altLang="en-US" sz="1600" dirty="0" smtClean="0"/>
-              <a:t>메인 화면에 노출되는 순위나 기준</a:t>
-            </a:r>
-            <a:r>
-              <a:rPr lang="en-US" altLang="ko-KR" sz="1600" dirty="0" smtClean="0"/>
-              <a:t>, </a:t>
-            </a:r>
-            <a:r>
-              <a:rPr lang="ko-KR" altLang="en-US" sz="1600" dirty="0" smtClean="0"/>
-              <a:t>카테고리를 </a:t>
-            </a:r>
-            <a:endParaRPr lang="en-US" altLang="ko-KR" sz="1600" dirty="0" smtClean="0"/>
-          </a:p>
-          <a:p>
-            <a:r>
-              <a:rPr lang="ko-KR" altLang="en-US" sz="1600" b="1" u="sng" dirty="0" smtClean="0"/>
-              <a:t>사용자가 직접 선택하여 노출</a:t>
-            </a:r>
-            <a:r>
-              <a:rPr lang="ko-KR" altLang="en-US" sz="1600" dirty="0" smtClean="0"/>
-              <a:t>되게 할 수 있는 기능을 추가하고자 함</a:t>
-            </a:r>
-            <a:endParaRPr lang="ko-KR" altLang="en-US" sz="1600" dirty="0"/>
-          </a:p>
-        </p:txBody>
-      </p:sp>
-      <p:pic>
-        <p:nvPicPr>
-          <p:cNvPr id="2050" name="Picture 2"/>
-          <p:cNvPicPr>
-            <a:picLocks noChangeAspect="1" noChangeArrowheads="1"/>
-          </p:cNvPicPr>
-          <p:nvPr/>
-        </p:nvPicPr>
-        <p:blipFill>
-          <a:blip r:embed="rId2">
-            <a:extLst>
-              <a:ext uri="{28A0092B-C50C-407E-A947-70E740481C1C}">
-                <a14:useLocalDpi xmlns:a14="http://schemas.microsoft.com/office/drawing/2010/main" val="0"/>
-              </a:ext>
-            </a:extLst>
-          </a:blip>
-          <a:srcRect/>
-          <a:stretch>
-            <a:fillRect/>
-          </a:stretch>
-        </p:blipFill>
-        <p:spPr bwMode="auto">
-          <a:xfrm>
-            <a:off x="1254742" y="3254460"/>
-            <a:ext cx="6134100" cy="2400300"/>
+            <a:off x="899592" y="2905472"/>
+            <a:ext cx="3744416" cy="667544"/>
           </a:xfrm>
           <a:prstGeom prst="rect">
             <a:avLst/>
           </a:prstGeom>
           <a:noFill/>
           <a:ln>
-            <a:noFill/>
+            <a:solidFill>
+              <a:srgbClr val="FF0000"/>
+            </a:solidFill>
           </a:ln>
-          <a:extLst>
-            <a:ext uri="{909E8E84-426E-40DD-AFC4-6F175D3DCCD1}">
-              <a14:hiddenFill xmlns:a14="http://schemas.microsoft.com/office/drawing/2010/main">
-                <a:solidFill>
-                  <a:schemeClr val="accent1"/>
-                </a:solidFill>
-              </a14:hiddenFill>
-            </a:ext>
-            <a:ext uri="{91240B29-F687-4F45-9708-019B960494DF}">
-              <a14:hiddenLine xmlns:a14="http://schemas.microsoft.com/office/drawing/2010/main" w="9525">
-                <a:solidFill>
-                  <a:schemeClr val="tx1"/>
-                </a:solidFill>
-                <a:miter lim="800000"/>
-                <a:headEnd/>
-                <a:tailEnd/>
-              </a14:hiddenLine>
-            </a:ext>
-          </a:extLst>
         </p:spPr>
-      </p:pic>
-      <p:sp>
-        <p:nvSpPr>
-          <p:cNvPr id="8" name="직사각형 7"/>
-          <p:cNvSpPr/>
+        <p:style>
+          <a:lnRef idx="2">
+            <a:schemeClr val="accent1">
+              <a:shade val="50000"/>
+            </a:schemeClr>
+          </a:lnRef>
+          <a:fillRef idx="1">
+            <a:schemeClr val="accent1"/>
+          </a:fillRef>
+          <a:effectRef idx="0">
+            <a:schemeClr val="accent1"/>
+          </a:effectRef>
+          <a:fontRef idx="minor">
+            <a:schemeClr val="lt1"/>
+          </a:fontRef>
+        </p:style>
+        <p:txBody>
+          <a:bodyPr rtlCol="0" anchor="ctr"/>
+          <a:lstStyle/>
+          <a:p>
+            <a:pPr algn="ctr"/>
+            <a:endParaRPr lang="ko-KR" altLang="en-US"/>
+          </a:p>
+        </p:txBody>
+      </p:sp>
+      <p:sp>
+        <p:nvSpPr>
+          <p:cNvPr id="5" name="TextBox 4"/>
+          <p:cNvSpPr txBox="1"/>
           <p:nvPr/>
         </p:nvSpPr>
         <p:spPr>
           <a:xfrm>
-            <a:off x="1041163" y="5754742"/>
-            <a:ext cx="6989666" cy="338554"/>
-          </a:xfrm>
-          <a:prstGeom prst="rect">
-            <a:avLst/>
-          </a:prstGeom>
-        </p:spPr>
-        <p:txBody>
-          <a:bodyPr wrap="square">
-            <a:spAutoFit/>
-          </a:bodyPr>
-          <a:lstStyle/>
-          <a:p>
-            <a:r>
-              <a:rPr lang="en-US" altLang="ko-KR" sz="1600" dirty="0" smtClean="0"/>
-              <a:t>Ex. </a:t>
-            </a:r>
-            <a:r>
-              <a:rPr lang="ko-KR" altLang="en-US" sz="1600" dirty="0" err="1" smtClean="0"/>
-              <a:t>네이버</a:t>
-            </a:r>
-            <a:r>
-              <a:rPr lang="ko-KR" altLang="en-US" sz="1600" dirty="0" smtClean="0"/>
-              <a:t> 뉴스 스탠드 </a:t>
-            </a:r>
-            <a:r>
-              <a:rPr lang="en-US" altLang="ko-KR" sz="1600" dirty="0" smtClean="0"/>
-              <a:t>:</a:t>
-            </a:r>
-            <a:r>
-              <a:rPr lang="ko-KR" altLang="en-US" sz="1600" smtClean="0"/>
-              <a:t> </a:t>
-            </a:r>
-            <a:r>
-              <a:rPr lang="ko-KR" altLang="en-US" sz="1600" dirty="0" smtClean="0"/>
-              <a:t>신문사를 직접 선택하여 </a:t>
-            </a:r>
-            <a:r>
-              <a:rPr lang="ko-KR" altLang="en-US" sz="1600" smtClean="0"/>
-              <a:t>노출시킬 뉴스 선택 가능</a:t>
-            </a:r>
-            <a:endParaRPr lang="ko-KR" altLang="en-US" sz="1600" dirty="0"/>
-          </a:p>
-        </p:txBody>
-      </p:sp>
-      <p:sp>
-        <p:nvSpPr>
-          <p:cNvPr id="9" name="TextBox 8"/>
-          <p:cNvSpPr txBox="1"/>
-          <p:nvPr/>
-        </p:nvSpPr>
-        <p:spPr>
-          <a:xfrm rot="13948480">
-            <a:off x="4558915" y="520319"/>
-            <a:ext cx="1292662" cy="5688632"/>
+            <a:off x="803933" y="4413229"/>
+            <a:ext cx="7071167" cy="923330"/>
           </a:xfrm>
           <a:prstGeom prst="rect">
             <a:avLst/>
@@ -3622,31 +3434,98 @@
           <a:noFill/>
         </p:spPr>
         <p:txBody>
-          <a:bodyPr vert="eaVert" wrap="square" rtlCol="0">
+          <a:bodyPr wrap="none" rtlCol="0">
             <a:spAutoFit/>
           </a:bodyPr>
           <a:lstStyle/>
           <a:p>
             <a:r>
-              <a:rPr lang="en-US" altLang="ko-KR" sz="7200" b="1" smtClean="0">
-                <a:solidFill>
-                  <a:srgbClr val="FF0000"/>
-                </a:solidFill>
-              </a:rPr>
-              <a:t>EXAMPLE</a:t>
-            </a:r>
-            <a:endParaRPr lang="ko-KR" altLang="en-US" sz="7200" b="1">
-              <a:solidFill>
-                <a:srgbClr val="FF0000"/>
-              </a:solidFill>
-            </a:endParaRPr>
+              <a:rPr lang="ko-KR" altLang="en-US" dirty="0" smtClean="0"/>
+              <a:t>추천도서를 </a:t>
+            </a:r>
+            <a:r>
+              <a:rPr lang="ko-KR" altLang="en-US" dirty="0" err="1" smtClean="0"/>
+              <a:t>불러올때는</a:t>
+            </a:r>
+            <a:endParaRPr lang="en-US" altLang="ko-KR" dirty="0" smtClean="0"/>
+          </a:p>
+          <a:p>
+            <a:r>
+              <a:rPr lang="ko-KR" altLang="en-US" dirty="0" smtClean="0"/>
+              <a:t>전의 유저가 구매했던 같은 카테고리에 있는 책을 기준으로 추천함</a:t>
+            </a:r>
+            <a:endParaRPr lang="en-US" altLang="ko-KR" dirty="0" smtClean="0"/>
+          </a:p>
+          <a:p>
+            <a:r>
+              <a:rPr lang="ko-KR" altLang="en-US" dirty="0" smtClean="0"/>
+              <a:t>그 다음으로 판매량</a:t>
+            </a:r>
+            <a:r>
+              <a:rPr lang="en-US" altLang="ko-KR" dirty="0" smtClean="0"/>
+              <a:t>,</a:t>
+            </a:r>
+            <a:r>
+              <a:rPr lang="ko-KR" altLang="en-US" dirty="0" smtClean="0"/>
+              <a:t> </a:t>
+            </a:r>
+            <a:r>
+              <a:rPr lang="ko-KR" altLang="en-US" dirty="0" err="1" smtClean="0"/>
+              <a:t>조회수등으로</a:t>
+            </a:r>
+            <a:r>
+              <a:rPr lang="ko-KR" altLang="en-US" dirty="0" smtClean="0"/>
+              <a:t> 순위를 조정</a:t>
+            </a:r>
+            <a:endParaRPr lang="ko-KR" altLang="en-US" dirty="0"/>
+          </a:p>
+        </p:txBody>
+      </p:sp>
+      <p:sp>
+        <p:nvSpPr>
+          <p:cNvPr id="6" name="TextBox 5"/>
+          <p:cNvSpPr txBox="1"/>
+          <p:nvPr/>
+        </p:nvSpPr>
+        <p:spPr>
+          <a:xfrm>
+            <a:off x="827584" y="3717032"/>
+            <a:ext cx="5902578" cy="646331"/>
+          </a:xfrm>
+          <a:prstGeom prst="rect">
+            <a:avLst/>
+          </a:prstGeom>
+          <a:noFill/>
+        </p:spPr>
+        <p:txBody>
+          <a:bodyPr wrap="none" rtlCol="0">
+            <a:spAutoFit/>
+          </a:bodyPr>
+          <a:lstStyle/>
+          <a:p>
+            <a:r>
+              <a:rPr lang="ko-KR" altLang="en-US" dirty="0" smtClean="0"/>
+              <a:t>구매기록 테이블을 만들어서 이용함</a:t>
+            </a:r>
+            <a:endParaRPr lang="en-US" altLang="ko-KR" dirty="0" smtClean="0"/>
+          </a:p>
+          <a:p>
+            <a:r>
+              <a:rPr lang="ko-KR" altLang="en-US" dirty="0" err="1" smtClean="0"/>
+              <a:t>구매완료시</a:t>
+            </a:r>
+            <a:r>
+              <a:rPr lang="ko-KR" altLang="en-US" dirty="0" smtClean="0"/>
+              <a:t> 유저아이디에 구매했던 제품의 정보를 저장</a:t>
+            </a:r>
+            <a:endParaRPr lang="en-US" altLang="ko-KR" dirty="0" smtClean="0"/>
           </a:p>
         </p:txBody>
       </p:sp>
     </p:spTree>
     <p:extLst>
       <p:ext uri="{BB962C8B-B14F-4D97-AF65-F5344CB8AC3E}">
-        <p14:creationId xmlns:p14="http://schemas.microsoft.com/office/powerpoint/2010/main" val="2682269332"/>
+        <p14:creationId xmlns:p14="http://schemas.microsoft.com/office/powerpoint/2010/main" val="3444381764"/>
       </p:ext>
     </p:extLst>
   </p:cSld>
@@ -3675,14 +3554,91 @@
       </p:grpSpPr>
       <p:sp>
         <p:nvSpPr>
-          <p:cNvPr id="12" name="직사각형 11"/>
+          <p:cNvPr id="2" name="TextBox 1"/>
+          <p:cNvSpPr txBox="1"/>
+          <p:nvPr/>
+        </p:nvSpPr>
+        <p:spPr>
+          <a:xfrm>
+            <a:off x="1979712" y="116632"/>
+            <a:ext cx="4608512" cy="369332"/>
+          </a:xfrm>
+          <a:prstGeom prst="rect">
+            <a:avLst/>
+          </a:prstGeom>
+          <a:noFill/>
+        </p:spPr>
+        <p:txBody>
+          <a:bodyPr wrap="square" rtlCol="0">
+            <a:spAutoFit/>
+          </a:bodyPr>
+          <a:lstStyle/>
+          <a:p>
+            <a:pPr algn="ctr"/>
+            <a:r>
+              <a:rPr lang="en-US" altLang="ko-KR" b="1" dirty="0" smtClean="0"/>
+              <a:t> </a:t>
+            </a:r>
+            <a:r>
+              <a:rPr lang="ko-KR" altLang="en-US" b="1" dirty="0" smtClean="0"/>
+              <a:t>도서 랭킹시스템</a:t>
+            </a:r>
+            <a:r>
+              <a:rPr lang="en-US" altLang="ko-KR" b="1" dirty="0" smtClean="0"/>
+              <a:t>&amp;</a:t>
+            </a:r>
+            <a:r>
+              <a:rPr lang="ko-KR" altLang="en-US" b="1" dirty="0" err="1" smtClean="0"/>
+              <a:t>푸시용</a:t>
+            </a:r>
+            <a:r>
+              <a:rPr lang="ko-KR" altLang="en-US" b="1" dirty="0" smtClean="0"/>
+              <a:t> 페이지</a:t>
+            </a:r>
+            <a:endParaRPr lang="ko-KR" altLang="en-US" b="1" dirty="0"/>
+          </a:p>
+        </p:txBody>
+      </p:sp>
+      <p:pic>
+        <p:nvPicPr>
+          <p:cNvPr id="3" name="그림 2"/>
+          <p:cNvPicPr>
+            <a:picLocks noChangeAspect="1"/>
+          </p:cNvPicPr>
+          <p:nvPr/>
+        </p:nvPicPr>
+        <p:blipFill>
+          <a:blip r:embed="rId2">
+            <a:extLst>
+              <a:ext uri="{28A0092B-C50C-407E-A947-70E740481C1C}">
+                <a14:useLocalDpi xmlns:a14="http://schemas.microsoft.com/office/drawing/2010/main" val="0"/>
+              </a:ext>
+            </a:extLst>
+          </a:blip>
+          <a:stretch>
+            <a:fillRect/>
+          </a:stretch>
+        </p:blipFill>
+        <p:spPr>
+          <a:xfrm>
+            <a:off x="1259632" y="485964"/>
+            <a:ext cx="6192688" cy="4891940"/>
+          </a:xfrm>
+          <a:prstGeom prst="rect">
+            <a:avLst/>
+          </a:prstGeom>
+        </p:spPr>
+      </p:pic>
+      <p:sp>
+        <p:nvSpPr>
+          <p:cNvPr id="4" name="직사각형 3"/>
           <p:cNvSpPr/>
           <p:nvPr/>
         </p:nvSpPr>
         <p:spPr>
           <a:xfrm>
-            <a:off x="2051720" y="1268760"/>
-            <a:ext cx="4968552" cy="4536504"/>
+            <a:off x="2411760" y="1484784"/>
+            <a:ext cx="4392488" cy="3744416"/>
           </a:xfrm>
           <a:prstGeom prst="rect">
             <a:avLst/>
@@ -3690,7 +3646,7 @@
           <a:noFill/>
           <a:ln>
             <a:solidFill>
-              <a:schemeClr val="tx1"/>
+              <a:srgbClr val="FF0000"/>
             </a:solidFill>
           </a:ln>
         </p:spPr>
@@ -3721,57 +3677,14 @@
       </p:sp>
       <p:sp>
         <p:nvSpPr>
-          <p:cNvPr id="2" name="TextBox 1"/>
-          <p:cNvSpPr txBox="1"/>
+          <p:cNvPr id="5" name="직사각형 4"/>
+          <p:cNvSpPr/>
           <p:nvPr/>
         </p:nvSpPr>
         <p:spPr>
           <a:xfrm>
-            <a:off x="1979712" y="116632"/>
-            <a:ext cx="4608512" cy="369332"/>
-          </a:xfrm>
-          <a:prstGeom prst="rect">
-            <a:avLst/>
-          </a:prstGeom>
-          <a:noFill/>
-        </p:spPr>
-        <p:txBody>
-          <a:bodyPr wrap="square" rtlCol="0">
-            <a:spAutoFit/>
-          </a:bodyPr>
-          <a:lstStyle/>
-          <a:p>
-            <a:pPr algn="ctr"/>
-            <a:r>
-              <a:rPr lang="en-US" altLang="ko-KR" b="1" dirty="0" smtClean="0"/>
-              <a:t> </a:t>
-            </a:r>
-            <a:r>
-              <a:rPr lang="ko-KR" altLang="en-US" b="1" dirty="0" smtClean="0"/>
-              <a:t>화면 흐름</a:t>
-            </a:r>
-            <a:r>
-              <a:rPr lang="en-US" altLang="ko-KR" b="1" dirty="0" smtClean="0"/>
-              <a:t>_</a:t>
-            </a:r>
-            <a:r>
-              <a:rPr lang="ko-KR" altLang="en-US" b="1" dirty="0" smtClean="0"/>
-              <a:t>첫 번째 기능</a:t>
-            </a:r>
-            <a:endParaRPr lang="ko-KR" altLang="en-US" b="1" dirty="0"/>
-          </a:p>
-        </p:txBody>
-      </p:sp>
-      <p:sp>
-        <p:nvSpPr>
-          <p:cNvPr id="7" name="직사각형 6"/>
-          <p:cNvSpPr/>
-          <p:nvPr/>
-        </p:nvSpPr>
-        <p:spPr>
-          <a:xfrm>
-            <a:off x="6444208" y="2338137"/>
-            <a:ext cx="216024" cy="216024"/>
+            <a:off x="6876256" y="1844824"/>
+            <a:ext cx="576064" cy="1152128"/>
           </a:xfrm>
           <a:prstGeom prst="rect">
             <a:avLst/>
@@ -3779,7 +3692,7 @@
           <a:noFill/>
           <a:ln>
             <a:solidFill>
-              <a:schemeClr val="tx1"/>
+              <a:srgbClr val="FF0000"/>
             </a:solidFill>
           </a:ln>
         </p:spPr>
@@ -3804,386 +3717,20 @@
           <a:lstStyle/>
           <a:p>
             <a:pPr algn="ctr"/>
-            <a:endParaRPr lang="ko-KR" altLang="en-US">
-              <a:solidFill>
-                <a:sysClr val="windowText" lastClr="000000"/>
-              </a:solidFill>
-            </a:endParaRPr>
-          </a:p>
-        </p:txBody>
-      </p:sp>
-      <p:sp>
-        <p:nvSpPr>
-          <p:cNvPr id="8" name="직사각형 7"/>
-          <p:cNvSpPr/>
+            <a:endParaRPr lang="ko-KR" altLang="en-US"/>
+          </a:p>
+        </p:txBody>
+      </p:sp>
+      <p:sp>
+        <p:nvSpPr>
+          <p:cNvPr id="6" name="TextBox 5"/>
+          <p:cNvSpPr txBox="1"/>
           <p:nvPr/>
         </p:nvSpPr>
         <p:spPr>
           <a:xfrm>
-            <a:off x="6444208" y="2770185"/>
-            <a:ext cx="216024" cy="216024"/>
-          </a:xfrm>
-          <a:prstGeom prst="rect">
-            <a:avLst/>
-          </a:prstGeom>
-          <a:noFill/>
-          <a:ln>
-            <a:solidFill>
-              <a:schemeClr val="tx1"/>
-            </a:solidFill>
-          </a:ln>
-        </p:spPr>
-        <p:style>
-          <a:lnRef idx="2">
-            <a:schemeClr val="accent1">
-              <a:shade val="50000"/>
-            </a:schemeClr>
-          </a:lnRef>
-          <a:fillRef idx="1">
-            <a:schemeClr val="accent1"/>
-          </a:fillRef>
-          <a:effectRef idx="0">
-            <a:schemeClr val="accent1"/>
-          </a:effectRef>
-          <a:fontRef idx="minor">
-            <a:schemeClr val="lt1"/>
-          </a:fontRef>
-        </p:style>
-        <p:txBody>
-          <a:bodyPr rtlCol="0" anchor="ctr"/>
-          <a:lstStyle/>
-          <a:p>
-            <a:pPr algn="ctr"/>
-            <a:endParaRPr lang="ko-KR" altLang="en-US">
-              <a:solidFill>
-                <a:sysClr val="windowText" lastClr="000000"/>
-              </a:solidFill>
-            </a:endParaRPr>
-          </a:p>
-        </p:txBody>
-      </p:sp>
-      <p:sp>
-        <p:nvSpPr>
-          <p:cNvPr id="9" name="직사각형 8"/>
-          <p:cNvSpPr/>
-          <p:nvPr/>
-        </p:nvSpPr>
-        <p:spPr>
-          <a:xfrm>
-            <a:off x="6444208" y="3202233"/>
-            <a:ext cx="216024" cy="216024"/>
-          </a:xfrm>
-          <a:prstGeom prst="rect">
-            <a:avLst/>
-          </a:prstGeom>
-          <a:noFill/>
-          <a:ln>
-            <a:solidFill>
-              <a:schemeClr val="tx1"/>
-            </a:solidFill>
-          </a:ln>
-        </p:spPr>
-        <p:style>
-          <a:lnRef idx="2">
-            <a:schemeClr val="accent1">
-              <a:shade val="50000"/>
-            </a:schemeClr>
-          </a:lnRef>
-          <a:fillRef idx="1">
-            <a:schemeClr val="accent1"/>
-          </a:fillRef>
-          <a:effectRef idx="0">
-            <a:schemeClr val="accent1"/>
-          </a:effectRef>
-          <a:fontRef idx="minor">
-            <a:schemeClr val="lt1"/>
-          </a:fontRef>
-        </p:style>
-        <p:txBody>
-          <a:bodyPr rtlCol="0" anchor="ctr"/>
-          <a:lstStyle/>
-          <a:p>
-            <a:pPr algn="ctr"/>
-            <a:endParaRPr lang="ko-KR" altLang="en-US">
-              <a:solidFill>
-                <a:sysClr val="windowText" lastClr="000000"/>
-              </a:solidFill>
-            </a:endParaRPr>
-          </a:p>
-        </p:txBody>
-      </p:sp>
-      <p:sp>
-        <p:nvSpPr>
-          <p:cNvPr id="10" name="직사각형 9"/>
-          <p:cNvSpPr/>
-          <p:nvPr/>
-        </p:nvSpPr>
-        <p:spPr>
-          <a:xfrm>
-            <a:off x="6444208" y="3634281"/>
-            <a:ext cx="216024" cy="216024"/>
-          </a:xfrm>
-          <a:prstGeom prst="rect">
-            <a:avLst/>
-          </a:prstGeom>
-          <a:noFill/>
-          <a:ln>
-            <a:solidFill>
-              <a:schemeClr val="tx1"/>
-            </a:solidFill>
-          </a:ln>
-        </p:spPr>
-        <p:style>
-          <a:lnRef idx="2">
-            <a:schemeClr val="accent1">
-              <a:shade val="50000"/>
-            </a:schemeClr>
-          </a:lnRef>
-          <a:fillRef idx="1">
-            <a:schemeClr val="accent1"/>
-          </a:fillRef>
-          <a:effectRef idx="0">
-            <a:schemeClr val="accent1"/>
-          </a:effectRef>
-          <a:fontRef idx="minor">
-            <a:schemeClr val="lt1"/>
-          </a:fontRef>
-        </p:style>
-        <p:txBody>
-          <a:bodyPr rtlCol="0" anchor="ctr"/>
-          <a:lstStyle/>
-          <a:p>
-            <a:pPr algn="ctr"/>
-            <a:endParaRPr lang="ko-KR" altLang="en-US">
-              <a:solidFill>
-                <a:sysClr val="windowText" lastClr="000000"/>
-              </a:solidFill>
-            </a:endParaRPr>
-          </a:p>
-        </p:txBody>
-      </p:sp>
-      <p:sp>
-        <p:nvSpPr>
-          <p:cNvPr id="11" name="직사각형 10"/>
-          <p:cNvSpPr/>
-          <p:nvPr/>
-        </p:nvSpPr>
-        <p:spPr>
-          <a:xfrm>
-            <a:off x="6444208" y="4066329"/>
-            <a:ext cx="216024" cy="216024"/>
-          </a:xfrm>
-          <a:prstGeom prst="rect">
-            <a:avLst/>
-          </a:prstGeom>
-          <a:noFill/>
-          <a:ln>
-            <a:solidFill>
-              <a:schemeClr val="tx1"/>
-            </a:solidFill>
-          </a:ln>
-        </p:spPr>
-        <p:style>
-          <a:lnRef idx="2">
-            <a:schemeClr val="accent1">
-              <a:shade val="50000"/>
-            </a:schemeClr>
-          </a:lnRef>
-          <a:fillRef idx="1">
-            <a:schemeClr val="accent1"/>
-          </a:fillRef>
-          <a:effectRef idx="0">
-            <a:schemeClr val="accent1"/>
-          </a:effectRef>
-          <a:fontRef idx="minor">
-            <a:schemeClr val="lt1"/>
-          </a:fontRef>
-        </p:style>
-        <p:txBody>
-          <a:bodyPr rtlCol="0" anchor="ctr"/>
-          <a:lstStyle/>
-          <a:p>
-            <a:pPr algn="ctr"/>
-            <a:endParaRPr lang="ko-KR" altLang="en-US">
-              <a:solidFill>
-                <a:sysClr val="windowText" lastClr="000000"/>
-              </a:solidFill>
-            </a:endParaRPr>
-          </a:p>
-        </p:txBody>
-      </p:sp>
-      <p:sp>
-        <p:nvSpPr>
-          <p:cNvPr id="13" name="직사각형 12"/>
-          <p:cNvSpPr/>
-          <p:nvPr/>
-        </p:nvSpPr>
-        <p:spPr>
-          <a:xfrm>
-            <a:off x="2788579" y="1844824"/>
-            <a:ext cx="3494833" cy="307777"/>
-          </a:xfrm>
-          <a:prstGeom prst="rect">
-            <a:avLst/>
-          </a:prstGeom>
-        </p:spPr>
-        <p:txBody>
-          <a:bodyPr wrap="square">
-            <a:spAutoFit/>
-          </a:bodyPr>
-          <a:lstStyle/>
-          <a:p>
-            <a:pPr algn="ctr"/>
-            <a:r>
-              <a:rPr lang="en-US" altLang="ko-KR" sz="1400" dirty="0" smtClean="0"/>
-              <a:t>[</a:t>
-            </a:r>
-            <a:r>
-              <a:rPr lang="ko-KR" altLang="en-US" sz="1400" dirty="0"/>
-              <a:t> </a:t>
-            </a:r>
-            <a:r>
-              <a:rPr lang="en-US" altLang="ko-KR" sz="1400" dirty="0" smtClean="0"/>
-              <a:t>3</a:t>
-            </a:r>
-            <a:r>
-              <a:rPr lang="ko-KR" altLang="en-US" sz="1400" dirty="0" smtClean="0"/>
-              <a:t>개 선택 </a:t>
-            </a:r>
-            <a:r>
-              <a:rPr lang="en-US" altLang="ko-KR" sz="1400" dirty="0" smtClean="0"/>
-              <a:t>]</a:t>
-            </a:r>
-            <a:endParaRPr lang="ko-KR" altLang="en-US" sz="1400" dirty="0"/>
-          </a:p>
-        </p:txBody>
-      </p:sp>
-      <p:sp>
-        <p:nvSpPr>
-          <p:cNvPr id="14" name="직사각형 13"/>
-          <p:cNvSpPr/>
-          <p:nvPr/>
-        </p:nvSpPr>
-        <p:spPr>
-          <a:xfrm>
-            <a:off x="2411760" y="2708920"/>
-            <a:ext cx="3494833" cy="338554"/>
-          </a:xfrm>
-          <a:prstGeom prst="rect">
-            <a:avLst/>
-          </a:prstGeom>
-        </p:spPr>
-        <p:txBody>
-          <a:bodyPr wrap="square">
-            <a:spAutoFit/>
-          </a:bodyPr>
-          <a:lstStyle/>
-          <a:p>
-            <a:r>
-              <a:rPr lang="ko-KR" altLang="en-US" sz="1600" dirty="0" err="1" smtClean="0"/>
-              <a:t>브랜드별</a:t>
-            </a:r>
-            <a:endParaRPr lang="ko-KR" altLang="en-US" sz="1600" dirty="0"/>
-          </a:p>
-        </p:txBody>
-      </p:sp>
-      <p:sp>
-        <p:nvSpPr>
-          <p:cNvPr id="15" name="직사각형 14"/>
-          <p:cNvSpPr/>
-          <p:nvPr/>
-        </p:nvSpPr>
-        <p:spPr>
-          <a:xfrm>
-            <a:off x="2411760" y="3176972"/>
-            <a:ext cx="3494833" cy="338554"/>
-          </a:xfrm>
-          <a:prstGeom prst="rect">
-            <a:avLst/>
-          </a:prstGeom>
-        </p:spPr>
-        <p:txBody>
-          <a:bodyPr wrap="square">
-            <a:spAutoFit/>
-          </a:bodyPr>
-          <a:lstStyle/>
-          <a:p>
-            <a:r>
-              <a:rPr lang="ko-KR" altLang="en-US" sz="1600" dirty="0" err="1" smtClean="0"/>
-              <a:t>작가별</a:t>
-            </a:r>
-            <a:endParaRPr lang="ko-KR" altLang="en-US" sz="1600" dirty="0"/>
-          </a:p>
-        </p:txBody>
-      </p:sp>
-      <p:sp>
-        <p:nvSpPr>
-          <p:cNvPr id="16" name="직사각형 15"/>
-          <p:cNvSpPr/>
-          <p:nvPr/>
-        </p:nvSpPr>
-        <p:spPr>
-          <a:xfrm>
-            <a:off x="2411760" y="3573016"/>
-            <a:ext cx="3494833" cy="338554"/>
-          </a:xfrm>
-          <a:prstGeom prst="rect">
-            <a:avLst/>
-          </a:prstGeom>
-        </p:spPr>
-        <p:txBody>
-          <a:bodyPr wrap="square">
-            <a:spAutoFit/>
-          </a:bodyPr>
-          <a:lstStyle/>
-          <a:p>
-            <a:r>
-              <a:rPr lang="ko-KR" altLang="en-US" sz="1600" dirty="0" smtClean="0"/>
-              <a:t>베스트 셀러</a:t>
-            </a:r>
-            <a:endParaRPr lang="ko-KR" altLang="en-US" sz="1600" dirty="0"/>
-          </a:p>
-        </p:txBody>
-      </p:sp>
-      <p:sp>
-        <p:nvSpPr>
-          <p:cNvPr id="17" name="직사각형 16"/>
-          <p:cNvSpPr/>
-          <p:nvPr/>
-        </p:nvSpPr>
-        <p:spPr>
-          <a:xfrm>
-            <a:off x="2411760" y="4005064"/>
-            <a:ext cx="3494833" cy="338554"/>
-          </a:xfrm>
-          <a:prstGeom prst="rect">
-            <a:avLst/>
-          </a:prstGeom>
-        </p:spPr>
-        <p:txBody>
-          <a:bodyPr wrap="square">
-            <a:spAutoFit/>
-          </a:bodyPr>
-          <a:lstStyle/>
-          <a:p>
-            <a:r>
-              <a:rPr lang="ko-KR" altLang="en-US" sz="1600" dirty="0" smtClean="0"/>
-              <a:t>새로 나온 도서</a:t>
-            </a:r>
-            <a:endParaRPr lang="ko-KR" altLang="en-US" sz="1600" dirty="0"/>
-          </a:p>
-        </p:txBody>
-      </p:sp>
-      <p:sp>
-        <p:nvSpPr>
-          <p:cNvPr id="18" name="TextBox 17"/>
-          <p:cNvSpPr txBox="1"/>
-          <p:nvPr/>
-        </p:nvSpPr>
-        <p:spPr>
-          <a:xfrm>
-            <a:off x="2231740" y="1484784"/>
-            <a:ext cx="4608512" cy="369332"/>
+            <a:off x="6895486" y="3068960"/>
+            <a:ext cx="1428596" cy="400110"/>
           </a:xfrm>
           <a:prstGeom prst="rect">
             <a:avLst/>
@@ -4191,286 +3738,23 @@
           <a:noFill/>
         </p:spPr>
         <p:txBody>
-          <a:bodyPr wrap="square" rtlCol="0">
+          <a:bodyPr wrap="none" rtlCol="0">
             <a:spAutoFit/>
           </a:bodyPr>
           <a:lstStyle/>
           <a:p>
-            <a:pPr algn="ctr"/>
-            <a:r>
-              <a:rPr lang="ko-KR" altLang="en-US" b="1" dirty="0" smtClean="0"/>
-              <a:t>메인 페이지 구성 선택</a:t>
-            </a:r>
-            <a:endParaRPr lang="ko-KR" altLang="en-US" b="1" dirty="0"/>
-          </a:p>
-        </p:txBody>
-      </p:sp>
-      <p:sp>
-        <p:nvSpPr>
-          <p:cNvPr id="19" name="직사각형 18"/>
-          <p:cNvSpPr/>
-          <p:nvPr/>
-        </p:nvSpPr>
-        <p:spPr>
-          <a:xfrm>
-            <a:off x="2411760" y="2276872"/>
-            <a:ext cx="3494833" cy="338554"/>
-          </a:xfrm>
-          <a:prstGeom prst="rect">
-            <a:avLst/>
-          </a:prstGeom>
-        </p:spPr>
-        <p:txBody>
-          <a:bodyPr wrap="square">
-            <a:spAutoFit/>
-          </a:bodyPr>
-          <a:lstStyle/>
-          <a:p>
-            <a:r>
-              <a:rPr lang="ko-KR" altLang="en-US" sz="1600" dirty="0" smtClean="0"/>
-              <a:t>후기 많은 도서</a:t>
-            </a:r>
-            <a:endParaRPr lang="ko-KR" altLang="en-US" sz="1600" dirty="0"/>
-          </a:p>
-        </p:txBody>
-      </p:sp>
-      <p:sp>
-        <p:nvSpPr>
-          <p:cNvPr id="20" name="직사각형 19"/>
-          <p:cNvSpPr/>
-          <p:nvPr/>
-        </p:nvSpPr>
-        <p:spPr>
-          <a:xfrm>
-            <a:off x="2788579" y="5013176"/>
-            <a:ext cx="1207357" cy="360040"/>
-          </a:xfrm>
-          <a:prstGeom prst="rect">
-            <a:avLst/>
-          </a:prstGeom>
-          <a:solidFill>
-            <a:schemeClr val="bg1">
-              <a:lumMod val="85000"/>
-            </a:schemeClr>
-          </a:solidFill>
-          <a:ln>
-            <a:noFill/>
-          </a:ln>
-        </p:spPr>
-        <p:style>
-          <a:lnRef idx="2">
-            <a:schemeClr val="accent1">
-              <a:shade val="50000"/>
-            </a:schemeClr>
-          </a:lnRef>
-          <a:fillRef idx="1">
-            <a:schemeClr val="accent1"/>
-          </a:fillRef>
-          <a:effectRef idx="0">
-            <a:schemeClr val="accent1"/>
-          </a:effectRef>
-          <a:fontRef idx="minor">
-            <a:schemeClr val="lt1"/>
-          </a:fontRef>
-        </p:style>
-        <p:txBody>
-          <a:bodyPr rtlCol="0" anchor="ctr"/>
-          <a:lstStyle/>
-          <a:p>
-            <a:pPr algn="ctr"/>
-            <a:r>
-              <a:rPr lang="ko-KR" altLang="en-US" sz="1600" b="1" dirty="0" smtClean="0">
-                <a:solidFill>
-                  <a:schemeClr val="tx1"/>
-                </a:solidFill>
-              </a:rPr>
-              <a:t>확인</a:t>
-            </a:r>
-            <a:endParaRPr lang="ko-KR" altLang="en-US" sz="1600" b="1" dirty="0">
-              <a:solidFill>
-                <a:schemeClr val="tx1"/>
-              </a:solidFill>
-            </a:endParaRPr>
-          </a:p>
-        </p:txBody>
-      </p:sp>
-      <p:sp>
-        <p:nvSpPr>
-          <p:cNvPr id="22" name="직사각형 21"/>
-          <p:cNvSpPr/>
-          <p:nvPr/>
-        </p:nvSpPr>
-        <p:spPr>
-          <a:xfrm>
-            <a:off x="5076055" y="5013176"/>
-            <a:ext cx="1207357" cy="360040"/>
-          </a:xfrm>
-          <a:prstGeom prst="rect">
-            <a:avLst/>
-          </a:prstGeom>
-          <a:solidFill>
-            <a:schemeClr val="bg1">
-              <a:lumMod val="85000"/>
-            </a:schemeClr>
-          </a:solidFill>
-          <a:ln>
-            <a:noFill/>
-          </a:ln>
-        </p:spPr>
-        <p:style>
-          <a:lnRef idx="2">
-            <a:schemeClr val="accent1">
-              <a:shade val="50000"/>
-            </a:schemeClr>
-          </a:lnRef>
-          <a:fillRef idx="1">
-            <a:schemeClr val="accent1"/>
-          </a:fillRef>
-          <a:effectRef idx="0">
-            <a:schemeClr val="accent1"/>
-          </a:effectRef>
-          <a:fontRef idx="minor">
-            <a:schemeClr val="lt1"/>
-          </a:fontRef>
-        </p:style>
-        <p:txBody>
-          <a:bodyPr rtlCol="0" anchor="ctr"/>
-          <a:lstStyle/>
-          <a:p>
-            <a:pPr algn="ctr"/>
-            <a:r>
-              <a:rPr lang="ko-KR" altLang="en-US" sz="1600" b="1" dirty="0" smtClean="0">
-                <a:solidFill>
-                  <a:schemeClr val="tx1"/>
-                </a:solidFill>
-              </a:rPr>
-              <a:t>취</a:t>
-            </a:r>
-            <a:r>
-              <a:rPr lang="ko-KR" altLang="en-US" sz="1600" b="1" dirty="0">
-                <a:solidFill>
-                  <a:schemeClr val="tx1"/>
-                </a:solidFill>
-              </a:rPr>
-              <a:t>소</a:t>
-            </a:r>
-          </a:p>
-        </p:txBody>
-      </p:sp>
-      <p:sp>
-        <p:nvSpPr>
-          <p:cNvPr id="21" name="직사각형 20"/>
-          <p:cNvSpPr/>
-          <p:nvPr/>
-        </p:nvSpPr>
-        <p:spPr>
-          <a:xfrm>
-            <a:off x="6444207" y="4498377"/>
-            <a:ext cx="216024" cy="216024"/>
-          </a:xfrm>
-          <a:prstGeom prst="rect">
-            <a:avLst/>
-          </a:prstGeom>
-          <a:noFill/>
-          <a:ln>
-            <a:solidFill>
-              <a:schemeClr val="tx1"/>
-            </a:solidFill>
-          </a:ln>
-        </p:spPr>
-        <p:style>
-          <a:lnRef idx="2">
-            <a:schemeClr val="accent1">
-              <a:shade val="50000"/>
-            </a:schemeClr>
-          </a:lnRef>
-          <a:fillRef idx="1">
-            <a:schemeClr val="accent1"/>
-          </a:fillRef>
-          <a:effectRef idx="0">
-            <a:schemeClr val="accent1"/>
-          </a:effectRef>
-          <a:fontRef idx="minor">
-            <a:schemeClr val="lt1"/>
-          </a:fontRef>
-        </p:style>
-        <p:txBody>
-          <a:bodyPr rtlCol="0" anchor="ctr"/>
-          <a:lstStyle/>
-          <a:p>
-            <a:pPr algn="ctr"/>
-            <a:endParaRPr lang="ko-KR" altLang="en-US">
-              <a:solidFill>
-                <a:sysClr val="windowText" lastClr="000000"/>
-              </a:solidFill>
-            </a:endParaRPr>
-          </a:p>
-        </p:txBody>
-      </p:sp>
-      <p:sp>
-        <p:nvSpPr>
-          <p:cNvPr id="23" name="직사각형 22"/>
-          <p:cNvSpPr/>
-          <p:nvPr/>
-        </p:nvSpPr>
-        <p:spPr>
-          <a:xfrm>
-            <a:off x="2411759" y="4437112"/>
-            <a:ext cx="3494833" cy="338554"/>
-          </a:xfrm>
-          <a:prstGeom prst="rect">
-            <a:avLst/>
-          </a:prstGeom>
-        </p:spPr>
-        <p:txBody>
-          <a:bodyPr wrap="square">
-            <a:spAutoFit/>
-          </a:bodyPr>
-          <a:lstStyle/>
-          <a:p>
-            <a:r>
-              <a:rPr lang="ko-KR" altLang="en-US" sz="1600" dirty="0" smtClean="0"/>
-              <a:t>할인되는 도서</a:t>
-            </a:r>
-            <a:endParaRPr lang="ko-KR" altLang="en-US" sz="1600" dirty="0"/>
-          </a:p>
-        </p:txBody>
-      </p:sp>
-      <p:sp>
-        <p:nvSpPr>
-          <p:cNvPr id="24" name="TextBox 23"/>
-          <p:cNvSpPr txBox="1"/>
-          <p:nvPr/>
-        </p:nvSpPr>
-        <p:spPr>
-          <a:xfrm rot="13948480">
-            <a:off x="4558915" y="520319"/>
-            <a:ext cx="1292662" cy="5688632"/>
-          </a:xfrm>
-          <a:prstGeom prst="rect">
-            <a:avLst/>
-          </a:prstGeom>
-          <a:noFill/>
-        </p:spPr>
-        <p:txBody>
-          <a:bodyPr vert="eaVert" wrap="square" rtlCol="0">
-            <a:spAutoFit/>
-          </a:bodyPr>
-          <a:lstStyle/>
-          <a:p>
-            <a:r>
-              <a:rPr lang="en-US" altLang="ko-KR" sz="7200" b="1" smtClean="0">
-                <a:solidFill>
-                  <a:srgbClr val="FF0000"/>
-                </a:solidFill>
-              </a:rPr>
-              <a:t>EXAMPLE</a:t>
-            </a:r>
-            <a:endParaRPr lang="ko-KR" altLang="en-US" sz="7200" b="1">
-              <a:solidFill>
-                <a:srgbClr val="FF0000"/>
-              </a:solidFill>
-            </a:endParaRPr>
+            <a:r>
+              <a:rPr lang="ko-KR" altLang="en-US" sz="1000" dirty="0" smtClean="0"/>
+              <a:t>간략한 순위표 및</a:t>
+            </a:r>
+            <a:endParaRPr lang="en-US" altLang="ko-KR" sz="1000" dirty="0" smtClean="0"/>
+          </a:p>
+          <a:p>
+            <a:r>
+              <a:rPr lang="ko-KR" altLang="en-US" sz="1000" dirty="0" smtClean="0"/>
+              <a:t>순위 페이지 이동버튼</a:t>
+            </a:r>
+            <a:endParaRPr lang="en-US" altLang="ko-KR" sz="1000" dirty="0"/>
           </a:p>
         </p:txBody>
       </p:sp>
@@ -4504,279 +3788,11 @@
           <a:chExt cx="0" cy="0"/>
         </a:xfrm>
       </p:grpSpPr>
-      <p:sp>
-        <p:nvSpPr>
-          <p:cNvPr id="2" name="TextBox 1"/>
-          <p:cNvSpPr txBox="1"/>
-          <p:nvPr/>
-        </p:nvSpPr>
-        <p:spPr>
-          <a:xfrm>
-            <a:off x="1979712" y="116632"/>
-            <a:ext cx="4608512" cy="369332"/>
-          </a:xfrm>
-          <a:prstGeom prst="rect">
-            <a:avLst/>
-          </a:prstGeom>
-          <a:noFill/>
-        </p:spPr>
-        <p:txBody>
-          <a:bodyPr wrap="square" rtlCol="0">
-            <a:spAutoFit/>
-          </a:bodyPr>
-          <a:lstStyle/>
-          <a:p>
-            <a:pPr algn="ctr"/>
-            <a:r>
-              <a:rPr lang="en-US" altLang="ko-KR" b="1" dirty="0"/>
-              <a:t> </a:t>
-            </a:r>
-            <a:r>
-              <a:rPr lang="ko-KR" altLang="en-US" b="1" dirty="0" smtClean="0"/>
-              <a:t>화면 흐름</a:t>
-            </a:r>
-            <a:r>
-              <a:rPr lang="en-US" altLang="ko-KR" b="1" dirty="0"/>
-              <a:t> _</a:t>
-            </a:r>
-            <a:r>
-              <a:rPr lang="ko-KR" altLang="en-US" b="1" dirty="0"/>
-              <a:t>첫 번째 기능</a:t>
-            </a:r>
-          </a:p>
-        </p:txBody>
-      </p:sp>
       <p:pic>
         <p:nvPicPr>
-          <p:cNvPr id="1026" name="Picture 2"/>
+          <p:cNvPr id="3" name="그림 2"/>
           <p:cNvPicPr>
-            <a:picLocks noChangeAspect="1" noChangeArrowheads="1"/>
-          </p:cNvPicPr>
-          <p:nvPr/>
-        </p:nvPicPr>
-        <p:blipFill rotWithShape="1">
-          <a:blip r:embed="rId2">
-            <a:extLst>
-              <a:ext uri="{28A0092B-C50C-407E-A947-70E740481C1C}">
-                <a14:useLocalDpi xmlns:a14="http://schemas.microsoft.com/office/drawing/2010/main" val="0"/>
-              </a:ext>
-            </a:extLst>
-          </a:blip>
-          <a:srcRect t="7682" r="2440" b="5103"/>
-          <a:stretch/>
-        </p:blipFill>
-        <p:spPr bwMode="auto">
-          <a:xfrm>
-            <a:off x="683568" y="620688"/>
-            <a:ext cx="8046953" cy="5754960"/>
-          </a:xfrm>
-          <a:prstGeom prst="rect">
-            <a:avLst/>
-          </a:prstGeom>
-          <a:noFill/>
-          <a:ln>
-            <a:noFill/>
-          </a:ln>
-          <a:extLst>
-            <a:ext uri="{909E8E84-426E-40DD-AFC4-6F175D3DCCD1}">
-              <a14:hiddenFill xmlns:a14="http://schemas.microsoft.com/office/drawing/2010/main">
-                <a:solidFill>
-                  <a:schemeClr val="accent1"/>
-                </a:solidFill>
-              </a14:hiddenFill>
-            </a:ext>
-            <a:ext uri="{91240B29-F687-4F45-9708-019B960494DF}">
-              <a14:hiddenLine xmlns:a14="http://schemas.microsoft.com/office/drawing/2010/main" w="9525">
-                <a:solidFill>
-                  <a:schemeClr val="tx1"/>
-                </a:solidFill>
-                <a:miter lim="800000"/>
-                <a:headEnd/>
-                <a:tailEnd/>
-              </a14:hiddenLine>
-            </a:ext>
-          </a:extLst>
-        </p:spPr>
-      </p:pic>
-      <p:sp>
-        <p:nvSpPr>
-          <p:cNvPr id="24" name="직사각형 23"/>
-          <p:cNvSpPr/>
-          <p:nvPr/>
-        </p:nvSpPr>
-        <p:spPr>
-          <a:xfrm>
-            <a:off x="1259632" y="2276872"/>
-            <a:ext cx="1296144" cy="1008112"/>
-          </a:xfrm>
-          <a:prstGeom prst="rect">
-            <a:avLst/>
-          </a:prstGeom>
-          <a:noFill/>
-          <a:ln>
-            <a:solidFill>
-              <a:srgbClr val="C00000"/>
-            </a:solidFill>
-          </a:ln>
-        </p:spPr>
-        <p:style>
-          <a:lnRef idx="2">
-            <a:schemeClr val="accent1">
-              <a:shade val="50000"/>
-            </a:schemeClr>
-          </a:lnRef>
-          <a:fillRef idx="1">
-            <a:schemeClr val="accent1"/>
-          </a:fillRef>
-          <a:effectRef idx="0">
-            <a:schemeClr val="accent1"/>
-          </a:effectRef>
-          <a:fontRef idx="minor">
-            <a:schemeClr val="lt1"/>
-          </a:fontRef>
-        </p:style>
-        <p:txBody>
-          <a:bodyPr rtlCol="0" anchor="ctr"/>
-          <a:lstStyle/>
-          <a:p>
-            <a:pPr algn="ctr"/>
-            <a:endParaRPr lang="ko-KR" altLang="en-US"/>
-          </a:p>
-        </p:txBody>
-      </p:sp>
-      <p:sp>
-        <p:nvSpPr>
-          <p:cNvPr id="25" name="직사각형 24"/>
-          <p:cNvSpPr/>
-          <p:nvPr/>
-        </p:nvSpPr>
-        <p:spPr>
-          <a:xfrm>
-            <a:off x="2200424" y="2107595"/>
-            <a:ext cx="5616624" cy="338554"/>
-          </a:xfrm>
-          <a:prstGeom prst="rect">
-            <a:avLst/>
-          </a:prstGeom>
-          <a:solidFill>
-            <a:schemeClr val="tx1">
-              <a:lumMod val="75000"/>
-              <a:lumOff val="25000"/>
-            </a:schemeClr>
-          </a:solidFill>
-        </p:spPr>
-        <p:txBody>
-          <a:bodyPr wrap="square">
-            <a:spAutoFit/>
-          </a:bodyPr>
-          <a:lstStyle/>
-          <a:p>
-            <a:pPr algn="ctr"/>
-            <a:r>
-              <a:rPr lang="ko-KR" altLang="en-US" sz="1600" b="1" dirty="0" smtClean="0">
-                <a:solidFill>
-                  <a:schemeClr val="bg1"/>
-                </a:solidFill>
-              </a:rPr>
-              <a:t>해당 설정은 </a:t>
-            </a:r>
-            <a:r>
-              <a:rPr lang="ko-KR" altLang="en-US" sz="1600" b="1" dirty="0" err="1" smtClean="0">
-                <a:solidFill>
-                  <a:schemeClr val="bg1"/>
-                </a:solidFill>
-              </a:rPr>
-              <a:t>마이페이지</a:t>
-            </a:r>
-            <a:r>
-              <a:rPr lang="ko-KR" altLang="en-US" sz="1600" b="1" dirty="0" smtClean="0">
-                <a:solidFill>
-                  <a:schemeClr val="bg1"/>
-                </a:solidFill>
-              </a:rPr>
-              <a:t> 정보내역의 하위메뉴에 들어간다</a:t>
-            </a:r>
-            <a:endParaRPr lang="ko-KR" altLang="en-US" sz="1600" b="1" dirty="0">
-              <a:solidFill>
-                <a:schemeClr val="bg1"/>
-              </a:solidFill>
-            </a:endParaRPr>
-          </a:p>
-        </p:txBody>
-      </p:sp>
-      <p:sp>
-        <p:nvSpPr>
-          <p:cNvPr id="6" name="TextBox 5"/>
-          <p:cNvSpPr txBox="1"/>
-          <p:nvPr/>
-        </p:nvSpPr>
-        <p:spPr>
-          <a:xfrm rot="13948480">
-            <a:off x="4558915" y="520319"/>
-            <a:ext cx="1292662" cy="5688632"/>
-          </a:xfrm>
-          <a:prstGeom prst="rect">
-            <a:avLst/>
-          </a:prstGeom>
-          <a:noFill/>
-        </p:spPr>
-        <p:txBody>
-          <a:bodyPr vert="eaVert" wrap="square" rtlCol="0">
-            <a:spAutoFit/>
-          </a:bodyPr>
-          <a:lstStyle/>
-          <a:p>
-            <a:r>
-              <a:rPr lang="en-US" altLang="ko-KR" sz="7200" b="1" smtClean="0">
-                <a:solidFill>
-                  <a:srgbClr val="FF0000"/>
-                </a:solidFill>
-              </a:rPr>
-              <a:t>EXAMPLE</a:t>
-            </a:r>
-            <a:endParaRPr lang="ko-KR" altLang="en-US" sz="7200" b="1">
-              <a:solidFill>
-                <a:srgbClr val="FF0000"/>
-              </a:solidFill>
-            </a:endParaRPr>
-          </a:p>
-        </p:txBody>
-      </p:sp>
-    </p:spTree>
-    <p:extLst>
-      <p:ext uri="{BB962C8B-B14F-4D97-AF65-F5344CB8AC3E}">
-        <p14:creationId xmlns:p14="http://schemas.microsoft.com/office/powerpoint/2010/main" val="3679260415"/>
-      </p:ext>
-    </p:extLst>
-  </p:cSld>
-  <p:clrMapOvr>
-    <a:masterClrMapping/>
-  </p:clrMapOvr>
-</p:sld>
-</file>
-
-<file path=ppt/slides/slide5.xml><?xml version="1.0" encoding="utf-8"?>
-<p:sld xmlns:a="http://schemas.openxmlformats.org/drawingml/2006/main" xmlns:r="http://schemas.openxmlformats.org/officeDocument/2006/relationships" xmlns:p="http://schemas.openxmlformats.org/presentationml/2006/main">
-  <p:cSld>
-    <p:spTree>
-      <p:nvGrpSpPr>
-        <p:cNvPr id="1" name=""/>
-        <p:cNvGrpSpPr/>
-        <p:nvPr/>
-      </p:nvGrpSpPr>
-      <p:grpSpPr>
-        <a:xfrm>
-          <a:off x="0" y="0"/>
-          <a:ext cx="0" cy="0"/>
-          <a:chOff x="0" y="0"/>
-          <a:chExt cx="0" cy="0"/>
-        </a:xfrm>
-      </p:grpSpPr>
-      <p:pic>
-        <p:nvPicPr>
-          <p:cNvPr id="1027" name="Picture 3"/>
-          <p:cNvPicPr>
-            <a:picLocks noChangeAspect="1" noChangeArrowheads="1"/>
+            <a:picLocks noChangeAspect="1"/>
           </p:cNvPicPr>
           <p:nvPr/>
         </p:nvPicPr>
@@ -4788,47 +3804,23 @@
               </a:ext>
             </a:extLst>
           </a:blip>
-          <a:srcRect/>
           <a:stretch>
             <a:fillRect/>
           </a:stretch>
         </p:blipFill>
-        <p:spPr bwMode="auto">
+        <p:spPr>
           <a:xfrm>
-            <a:off x="395536" y="0"/>
-            <a:ext cx="8572501" cy="6858000"/>
+            <a:off x="179512" y="485964"/>
+            <a:ext cx="8028384" cy="5421442"/>
           </a:xfrm>
           <a:prstGeom prst="rect">
             <a:avLst/>
           </a:prstGeom>
-          <a:noFill/>
-          <a:ln>
-            <a:noFill/>
-          </a:ln>
-          <a:extLst>
-            <a:ext uri="{909E8E84-426E-40DD-AFC4-6F175D3DCCD1}">
-              <a14:hiddenFill xmlns:a14="http://schemas.microsoft.com/office/drawing/2010/main">
-                <a:solidFill>
-                  <a:schemeClr val="accent1"/>
-                </a:solidFill>
-              </a14:hiddenFill>
-            </a:ext>
-            <a:ext uri="{91240B29-F687-4F45-9708-019B960494DF}">
-              <a14:hiddenLine xmlns:a14="http://schemas.microsoft.com/office/drawing/2010/main" w="9525">
-                <a:solidFill>
-                  <a:schemeClr val="tx1"/>
-                </a:solidFill>
-                <a:miter lim="800000"/>
-                <a:headEnd/>
-                <a:tailEnd/>
-              </a14:hiddenLine>
-            </a:ext>
-          </a:extLst>
         </p:spPr>
       </p:pic>
       <p:sp>
         <p:nvSpPr>
-          <p:cNvPr id="2" name="TextBox 1"/>
+          <p:cNvPr id="4" name="TextBox 3"/>
           <p:cNvSpPr txBox="1"/>
           <p:nvPr/>
         </p:nvSpPr>
@@ -4850,136 +3842,43 @@
           <a:p>
             <a:pPr algn="ctr"/>
             <a:r>
-              <a:rPr lang="en-US" altLang="ko-KR" b="1" dirty="0"/>
+              <a:rPr lang="en-US" altLang="ko-KR" b="1" dirty="0" smtClean="0"/>
               <a:t> </a:t>
             </a:r>
             <a:r>
               <a:rPr lang="ko-KR" altLang="en-US" b="1" dirty="0" smtClean="0"/>
-              <a:t>화면 흐름</a:t>
-            </a:r>
-            <a:r>
-              <a:rPr lang="en-US" altLang="ko-KR" b="1" dirty="0"/>
-              <a:t> _</a:t>
-            </a:r>
-            <a:r>
-              <a:rPr lang="ko-KR" altLang="en-US" b="1" dirty="0"/>
-              <a:t>첫 번째 기능</a:t>
-            </a:r>
-          </a:p>
-        </p:txBody>
-      </p:sp>
-      <p:sp>
-        <p:nvSpPr>
-          <p:cNvPr id="4" name="직사각형 3"/>
+              <a:t>도서 랭킹시스템</a:t>
+            </a:r>
+            <a:r>
+              <a:rPr lang="en-US" altLang="ko-KR" b="1" dirty="0" smtClean="0"/>
+              <a:t>&amp;</a:t>
+            </a:r>
+            <a:r>
+              <a:rPr lang="ko-KR" altLang="en-US" b="1" dirty="0" err="1" smtClean="0"/>
+              <a:t>푸시용</a:t>
+            </a:r>
+            <a:r>
+              <a:rPr lang="ko-KR" altLang="en-US" b="1" dirty="0" smtClean="0"/>
+              <a:t> 페이지</a:t>
+            </a:r>
+            <a:endParaRPr lang="ko-KR" altLang="en-US" b="1" dirty="0"/>
+          </a:p>
+        </p:txBody>
+      </p:sp>
+      <p:sp>
+        <p:nvSpPr>
+          <p:cNvPr id="5" name="직사각형 4"/>
           <p:cNvSpPr/>
           <p:nvPr/>
         </p:nvSpPr>
         <p:spPr>
           <a:xfrm>
-            <a:off x="2339752" y="1916832"/>
-            <a:ext cx="5328592" cy="1800200"/>
+            <a:off x="899592" y="6165304"/>
+            <a:ext cx="6989666" cy="584775"/>
           </a:xfrm>
           <a:prstGeom prst="rect">
             <a:avLst/>
           </a:prstGeom>
-          <a:noFill/>
-          <a:ln>
-            <a:solidFill>
-              <a:srgbClr val="C00000"/>
-            </a:solidFill>
-          </a:ln>
-        </p:spPr>
-        <p:style>
-          <a:lnRef idx="2">
-            <a:schemeClr val="accent1">
-              <a:shade val="50000"/>
-            </a:schemeClr>
-          </a:lnRef>
-          <a:fillRef idx="1">
-            <a:schemeClr val="accent1"/>
-          </a:fillRef>
-          <a:effectRef idx="0">
-            <a:schemeClr val="accent1"/>
-          </a:effectRef>
-          <a:fontRef idx="minor">
-            <a:schemeClr val="lt1"/>
-          </a:fontRef>
-        </p:style>
-        <p:txBody>
-          <a:bodyPr rtlCol="0" anchor="ctr"/>
-          <a:lstStyle/>
-          <a:p>
-            <a:pPr algn="ctr"/>
-            <a:endParaRPr lang="ko-KR" altLang="en-US"/>
-          </a:p>
-        </p:txBody>
-      </p:sp>
-      <p:sp>
-        <p:nvSpPr>
-          <p:cNvPr id="14" name="직사각형 13"/>
-          <p:cNvSpPr/>
-          <p:nvPr/>
-        </p:nvSpPr>
-        <p:spPr>
-          <a:xfrm>
-            <a:off x="2339752" y="4725144"/>
-            <a:ext cx="5328592" cy="1800200"/>
-          </a:xfrm>
-          <a:prstGeom prst="rect">
-            <a:avLst/>
-          </a:prstGeom>
-          <a:noFill/>
-          <a:ln>
-            <a:solidFill>
-              <a:srgbClr val="C00000"/>
-            </a:solidFill>
-          </a:ln>
-        </p:spPr>
-        <p:style>
-          <a:lnRef idx="2">
-            <a:schemeClr val="accent1">
-              <a:shade val="50000"/>
-            </a:schemeClr>
-          </a:lnRef>
-          <a:fillRef idx="1">
-            <a:schemeClr val="accent1"/>
-          </a:fillRef>
-          <a:effectRef idx="0">
-            <a:schemeClr val="accent1"/>
-          </a:effectRef>
-          <a:fontRef idx="minor">
-            <a:schemeClr val="lt1"/>
-          </a:fontRef>
-        </p:style>
-        <p:txBody>
-          <a:bodyPr rtlCol="0" anchor="ctr"/>
-          <a:lstStyle/>
-          <a:p>
-            <a:pPr algn="ctr"/>
-            <a:endParaRPr lang="ko-KR" altLang="en-US"/>
-          </a:p>
-        </p:txBody>
-      </p:sp>
-      <p:sp>
-        <p:nvSpPr>
-          <p:cNvPr id="15" name="직사각형 14"/>
-          <p:cNvSpPr/>
-          <p:nvPr/>
-        </p:nvSpPr>
-        <p:spPr>
-          <a:xfrm>
-            <a:off x="3347864" y="3501007"/>
-            <a:ext cx="5184576" cy="584775"/>
-          </a:xfrm>
-          <a:prstGeom prst="rect">
-            <a:avLst/>
-          </a:prstGeom>
-          <a:solidFill>
-            <a:schemeClr val="tx1">
-              <a:lumMod val="75000"/>
-              <a:lumOff val="25000"/>
-            </a:schemeClr>
-          </a:solidFill>
         </p:spPr>
         <p:txBody>
           <a:bodyPr wrap="square">
@@ -4987,698 +3886,43 @@
           </a:bodyPr>
           <a:lstStyle/>
           <a:p>
-            <a:pPr algn="ctr"/>
-            <a:r>
-              <a:rPr lang="ko-KR" altLang="en-US" sz="1600" b="1" dirty="0" smtClean="0">
-                <a:solidFill>
-                  <a:schemeClr val="bg1"/>
-                </a:solidFill>
-              </a:rPr>
-              <a:t>선택한 구성에 따라 저장한 후</a:t>
-            </a:r>
-            <a:r>
-              <a:rPr lang="en-US" altLang="ko-KR" sz="1600" b="1" dirty="0" smtClean="0">
-                <a:solidFill>
-                  <a:schemeClr val="bg1"/>
-                </a:solidFill>
-              </a:rPr>
-              <a:t>, </a:t>
-            </a:r>
-          </a:p>
-          <a:p>
-            <a:pPr algn="ctr"/>
-            <a:r>
-              <a:rPr lang="ko-KR" altLang="en-US" sz="1600" b="1" dirty="0" smtClean="0">
-                <a:solidFill>
-                  <a:schemeClr val="bg1"/>
-                </a:solidFill>
-              </a:rPr>
-              <a:t>메인 페이지로 이동하면 붉은 상자 안의 구성이 변경</a:t>
-            </a:r>
-            <a:endParaRPr lang="ko-KR" altLang="en-US" sz="1600" b="1" dirty="0">
-              <a:solidFill>
-                <a:schemeClr val="bg1"/>
-              </a:solidFill>
-            </a:endParaRPr>
-          </a:p>
-        </p:txBody>
-      </p:sp>
-      <p:sp>
-        <p:nvSpPr>
-          <p:cNvPr id="7" name="TextBox 6"/>
-          <p:cNvSpPr txBox="1"/>
-          <p:nvPr/>
-        </p:nvSpPr>
-        <p:spPr>
-          <a:xfrm rot="13948480">
-            <a:off x="4558915" y="520319"/>
-            <a:ext cx="1292662" cy="5688632"/>
-          </a:xfrm>
-          <a:prstGeom prst="rect">
-            <a:avLst/>
-          </a:prstGeom>
-          <a:noFill/>
-        </p:spPr>
-        <p:txBody>
-          <a:bodyPr vert="eaVert" wrap="square" rtlCol="0">
-            <a:spAutoFit/>
-          </a:bodyPr>
-          <a:lstStyle/>
-          <a:p>
-            <a:r>
-              <a:rPr lang="en-US" altLang="ko-KR" sz="7200" b="1" smtClean="0">
-                <a:solidFill>
-                  <a:srgbClr val="FF0000"/>
-                </a:solidFill>
-              </a:rPr>
-              <a:t>EXAMPLE</a:t>
-            </a:r>
-            <a:endParaRPr lang="ko-KR" altLang="en-US" sz="7200" b="1">
-              <a:solidFill>
-                <a:srgbClr val="FF0000"/>
-              </a:solidFill>
-            </a:endParaRPr>
+            <a:r>
+              <a:rPr lang="ko-KR" altLang="en-US" sz="1600" dirty="0" smtClean="0"/>
+              <a:t>한눈에 순위를 볼 수 있는 페이지를 만들고</a:t>
+            </a:r>
+            <a:endParaRPr lang="en-US" altLang="ko-KR" sz="1600" dirty="0" smtClean="0"/>
+          </a:p>
+          <a:p>
+            <a:r>
+              <a:rPr lang="en-US" altLang="ko-KR" sz="1600" dirty="0" smtClean="0"/>
+              <a:t>HTML</a:t>
+            </a:r>
+            <a:r>
+              <a:rPr lang="ko-KR" altLang="en-US" sz="1600" dirty="0" smtClean="0"/>
+              <a:t>로 메일을 보내 </a:t>
+            </a:r>
+            <a:r>
+              <a:rPr lang="ko-KR" altLang="en-US" sz="1600" dirty="0" err="1" smtClean="0"/>
+              <a:t>푸시기능을</a:t>
+            </a:r>
+            <a:r>
+              <a:rPr lang="ko-KR" altLang="en-US" sz="1600" dirty="0" smtClean="0"/>
+              <a:t> 만듦</a:t>
+            </a:r>
+            <a:endParaRPr lang="en-US" altLang="ko-KR" sz="1600" dirty="0"/>
           </a:p>
         </p:txBody>
       </p:sp>
     </p:spTree>
     <p:extLst>
       <p:ext uri="{BB962C8B-B14F-4D97-AF65-F5344CB8AC3E}">
-        <p14:creationId xmlns:p14="http://schemas.microsoft.com/office/powerpoint/2010/main" val="2459983434"/>
+        <p14:creationId xmlns:p14="http://schemas.microsoft.com/office/powerpoint/2010/main" val="813954390"/>
       </p:ext>
     </p:extLst>
   </p:cSld>
   <p:clrMapOvr>
     <a:masterClrMapping/>
   </p:clrMapOvr>
-</p:sld>
-</file>
-
-<file path=ppt/slides/slide6.xml><?xml version="1.0" encoding="utf-8"?>
-<p:sld xmlns:a="http://schemas.openxmlformats.org/drawingml/2006/main" xmlns:r="http://schemas.openxmlformats.org/officeDocument/2006/relationships" xmlns:p="http://schemas.openxmlformats.org/presentationml/2006/main">
-  <p:cSld>
-    <p:spTree>
-      <p:nvGrpSpPr>
-        <p:cNvPr id="1" name=""/>
-        <p:cNvGrpSpPr/>
-        <p:nvPr/>
-      </p:nvGrpSpPr>
-      <p:grpSpPr>
-        <a:xfrm>
-          <a:off x="0" y="0"/>
-          <a:ext cx="0" cy="0"/>
-          <a:chOff x="0" y="0"/>
-          <a:chExt cx="0" cy="0"/>
-        </a:xfrm>
-      </p:grpSpPr>
-      <p:sp>
-        <p:nvSpPr>
-          <p:cNvPr id="4" name="TextBox 3"/>
-          <p:cNvSpPr txBox="1"/>
-          <p:nvPr/>
-        </p:nvSpPr>
-        <p:spPr>
-          <a:xfrm>
-            <a:off x="1439652" y="233145"/>
-            <a:ext cx="6192688" cy="400110"/>
-          </a:xfrm>
-          <a:prstGeom prst="rect">
-            <a:avLst/>
-          </a:prstGeom>
-          <a:noFill/>
-        </p:spPr>
-        <p:txBody>
-          <a:bodyPr wrap="square" rtlCol="0">
-            <a:spAutoFit/>
-          </a:bodyPr>
-          <a:lstStyle/>
-          <a:p>
-            <a:pPr algn="ctr"/>
-            <a:r>
-              <a:rPr lang="ko-KR" altLang="en-US" sz="2000" b="1" dirty="0" smtClean="0">
-                <a:solidFill>
-                  <a:prstClr val="black"/>
-                </a:solidFill>
-              </a:rPr>
-              <a:t>기능 설명</a:t>
-            </a:r>
-            <a:r>
-              <a:rPr lang="en-US" altLang="ko-KR" sz="2000" b="1" dirty="0" smtClean="0">
-                <a:solidFill>
-                  <a:prstClr val="black"/>
-                </a:solidFill>
-              </a:rPr>
-              <a:t>_</a:t>
-            </a:r>
-            <a:r>
-              <a:rPr lang="ko-KR" altLang="en-US" sz="2000" b="1" dirty="0" smtClean="0">
-                <a:solidFill>
-                  <a:prstClr val="black"/>
-                </a:solidFill>
-              </a:rPr>
-              <a:t>두 번째 기능</a:t>
-            </a:r>
-            <a:endParaRPr lang="ko-KR" altLang="en-US" sz="2000" b="1" dirty="0">
-              <a:solidFill>
-                <a:prstClr val="black"/>
-              </a:solidFill>
-            </a:endParaRPr>
-          </a:p>
-        </p:txBody>
-      </p:sp>
-      <p:sp>
-        <p:nvSpPr>
-          <p:cNvPr id="6" name="직사각형 5"/>
-          <p:cNvSpPr/>
-          <p:nvPr/>
-        </p:nvSpPr>
-        <p:spPr>
-          <a:xfrm>
-            <a:off x="1043608" y="1412776"/>
-            <a:ext cx="6840760" cy="584775"/>
-          </a:xfrm>
-          <a:prstGeom prst="rect">
-            <a:avLst/>
-          </a:prstGeom>
-        </p:spPr>
-        <p:txBody>
-          <a:bodyPr wrap="square">
-            <a:spAutoFit/>
-          </a:bodyPr>
-          <a:lstStyle/>
-          <a:p>
-            <a:r>
-              <a:rPr lang="ko-KR" altLang="en-US" sz="1600" dirty="0" smtClean="0">
-                <a:solidFill>
-                  <a:prstClr val="black"/>
-                </a:solidFill>
-              </a:rPr>
-              <a:t>책의 상세 정보에 들어가면</a:t>
-            </a:r>
-            <a:r>
-              <a:rPr lang="en-US" altLang="ko-KR" sz="1600" dirty="0" smtClean="0">
-                <a:solidFill>
-                  <a:prstClr val="black"/>
-                </a:solidFill>
-              </a:rPr>
-              <a:t>, </a:t>
-            </a:r>
-          </a:p>
-          <a:p>
-            <a:r>
-              <a:rPr lang="ko-KR" altLang="en-US" sz="1600" u="sng" dirty="0" smtClean="0">
-                <a:solidFill>
-                  <a:prstClr val="black"/>
-                </a:solidFill>
-              </a:rPr>
-              <a:t>해당 책을 구매한 다른 사람들이 구매한 도서 목록을 추천</a:t>
-            </a:r>
-            <a:r>
-              <a:rPr lang="ko-KR" altLang="en-US" sz="1600" dirty="0" smtClean="0">
-                <a:solidFill>
-                  <a:prstClr val="black"/>
-                </a:solidFill>
-              </a:rPr>
-              <a:t>해주는 기능</a:t>
-            </a:r>
-            <a:endParaRPr lang="ko-KR" altLang="en-US" sz="1600" dirty="0">
-              <a:solidFill>
-                <a:prstClr val="black"/>
-              </a:solidFill>
-            </a:endParaRPr>
-          </a:p>
-        </p:txBody>
-      </p:sp>
-      <p:sp>
-        <p:nvSpPr>
-          <p:cNvPr id="5" name="TextBox 4"/>
-          <p:cNvSpPr txBox="1"/>
-          <p:nvPr/>
-        </p:nvSpPr>
-        <p:spPr>
-          <a:xfrm rot="13948480">
-            <a:off x="4558915" y="520319"/>
-            <a:ext cx="1292662" cy="5688632"/>
-          </a:xfrm>
-          <a:prstGeom prst="rect">
-            <a:avLst/>
-          </a:prstGeom>
-          <a:noFill/>
-        </p:spPr>
-        <p:txBody>
-          <a:bodyPr vert="eaVert" wrap="square" rtlCol="0">
-            <a:spAutoFit/>
-          </a:bodyPr>
-          <a:lstStyle/>
-          <a:p>
-            <a:r>
-              <a:rPr lang="en-US" altLang="ko-KR" sz="7200" b="1" smtClean="0">
-                <a:solidFill>
-                  <a:srgbClr val="FF0000"/>
-                </a:solidFill>
-              </a:rPr>
-              <a:t>EXAMPLE</a:t>
-            </a:r>
-            <a:endParaRPr lang="ko-KR" altLang="en-US" sz="7200" b="1">
-              <a:solidFill>
-                <a:srgbClr val="FF0000"/>
-              </a:solidFill>
-            </a:endParaRPr>
-          </a:p>
-        </p:txBody>
-      </p:sp>
-    </p:spTree>
-    <p:extLst>
-      <p:ext uri="{BB962C8B-B14F-4D97-AF65-F5344CB8AC3E}">
-        <p14:creationId xmlns:p14="http://schemas.microsoft.com/office/powerpoint/2010/main" val="112592768"/>
-      </p:ext>
-    </p:extLst>
-  </p:cSld>
-  <p:clrMapOvr>
-    <a:masterClrMapping/>
-  </p:clrMapOvr>
-  <p:timing>
-    <p:tnLst>
-      <p:par>
-        <p:cTn id="1" dur="indefinite" restart="never" nodeType="tmRoot"/>
-      </p:par>
-    </p:tnLst>
-  </p:timing>
-</p:sld>
-</file>
-
-<file path=ppt/slides/slide7.xml><?xml version="1.0" encoding="utf-8"?>
-<p:sld xmlns:a="http://schemas.openxmlformats.org/drawingml/2006/main" xmlns:r="http://schemas.openxmlformats.org/officeDocument/2006/relationships" xmlns:p="http://schemas.openxmlformats.org/presentationml/2006/main">
-  <p:cSld>
-    <p:spTree>
-      <p:nvGrpSpPr>
-        <p:cNvPr id="1" name=""/>
-        <p:cNvGrpSpPr/>
-        <p:nvPr/>
-      </p:nvGrpSpPr>
-      <p:grpSpPr>
-        <a:xfrm>
-          <a:off x="0" y="0"/>
-          <a:ext cx="0" cy="0"/>
-          <a:chOff x="0" y="0"/>
-          <a:chExt cx="0" cy="0"/>
-        </a:xfrm>
-      </p:grpSpPr>
-      <p:pic>
-        <p:nvPicPr>
-          <p:cNvPr id="1028" name="Picture 4"/>
-          <p:cNvPicPr>
-            <a:picLocks noChangeAspect="1" noChangeArrowheads="1"/>
-          </p:cNvPicPr>
-          <p:nvPr/>
-        </p:nvPicPr>
-        <p:blipFill rotWithShape="1">
-          <a:blip r:embed="rId2">
-            <a:extLst>
-              <a:ext uri="{28A0092B-C50C-407E-A947-70E740481C1C}">
-                <a14:useLocalDpi xmlns:a14="http://schemas.microsoft.com/office/drawing/2010/main" val="0"/>
-              </a:ext>
-            </a:extLst>
-          </a:blip>
-          <a:srcRect t="7598" r="2342" b="6236"/>
-          <a:stretch/>
-        </p:blipFill>
-        <p:spPr bwMode="auto">
-          <a:xfrm>
-            <a:off x="467544" y="0"/>
-            <a:ext cx="7880548" cy="5562600"/>
-          </a:xfrm>
-          <a:prstGeom prst="rect">
-            <a:avLst/>
-          </a:prstGeom>
-          <a:noFill/>
-          <a:ln>
-            <a:noFill/>
-          </a:ln>
-          <a:extLst>
-            <a:ext uri="{909E8E84-426E-40DD-AFC4-6F175D3DCCD1}">
-              <a14:hiddenFill xmlns:a14="http://schemas.microsoft.com/office/drawing/2010/main">
-                <a:solidFill>
-                  <a:schemeClr val="accent1"/>
-                </a:solidFill>
-              </a14:hiddenFill>
-            </a:ext>
-            <a:ext uri="{91240B29-F687-4F45-9708-019B960494DF}">
-              <a14:hiddenLine xmlns:a14="http://schemas.microsoft.com/office/drawing/2010/main" w="9525">
-                <a:solidFill>
-                  <a:schemeClr val="tx1"/>
-                </a:solidFill>
-                <a:miter lim="800000"/>
-                <a:headEnd/>
-                <a:tailEnd/>
-              </a14:hiddenLine>
-            </a:ext>
-          </a:extLst>
-        </p:spPr>
-      </p:pic>
-      <p:sp>
-        <p:nvSpPr>
-          <p:cNvPr id="4" name="직사각형 3"/>
-          <p:cNvSpPr/>
-          <p:nvPr/>
-        </p:nvSpPr>
-        <p:spPr>
-          <a:xfrm>
-            <a:off x="2267744" y="4167428"/>
-            <a:ext cx="6332276" cy="1592848"/>
-          </a:xfrm>
-          <a:prstGeom prst="rect">
-            <a:avLst/>
-          </a:prstGeom>
-          <a:solidFill>
-            <a:schemeClr val="bg1"/>
-          </a:solidFill>
-          <a:ln>
-            <a:noFill/>
-          </a:ln>
-        </p:spPr>
-        <p:style>
-          <a:lnRef idx="2">
-            <a:schemeClr val="accent1">
-              <a:shade val="50000"/>
-            </a:schemeClr>
-          </a:lnRef>
-          <a:fillRef idx="1">
-            <a:schemeClr val="accent1"/>
-          </a:fillRef>
-          <a:effectRef idx="0">
-            <a:schemeClr val="accent1"/>
-          </a:effectRef>
-          <a:fontRef idx="minor">
-            <a:schemeClr val="lt1"/>
-          </a:fontRef>
-        </p:style>
-        <p:txBody>
-          <a:bodyPr rtlCol="0" anchor="ctr"/>
-          <a:lstStyle/>
-          <a:p>
-            <a:pPr algn="ctr"/>
-            <a:endParaRPr lang="ko-KR" altLang="en-US"/>
-          </a:p>
-        </p:txBody>
-      </p:sp>
-      <p:sp>
-        <p:nvSpPr>
-          <p:cNvPr id="2" name="TextBox 1"/>
-          <p:cNvSpPr txBox="1"/>
-          <p:nvPr/>
-        </p:nvSpPr>
-        <p:spPr>
-          <a:xfrm>
-            <a:off x="1979712" y="116632"/>
-            <a:ext cx="4608512" cy="369332"/>
-          </a:xfrm>
-          <a:prstGeom prst="rect">
-            <a:avLst/>
-          </a:prstGeom>
-          <a:noFill/>
-        </p:spPr>
-        <p:txBody>
-          <a:bodyPr wrap="square" rtlCol="0">
-            <a:spAutoFit/>
-          </a:bodyPr>
-          <a:lstStyle/>
-          <a:p>
-            <a:pPr algn="ctr"/>
-            <a:r>
-              <a:rPr lang="en-US" altLang="ko-KR" b="1" dirty="0"/>
-              <a:t> </a:t>
-            </a:r>
-            <a:r>
-              <a:rPr lang="ko-KR" altLang="en-US" b="1" dirty="0" smtClean="0"/>
-              <a:t>화면 흐름</a:t>
-            </a:r>
-            <a:r>
-              <a:rPr lang="en-US" altLang="ko-KR" b="1" dirty="0"/>
-              <a:t> </a:t>
-            </a:r>
-            <a:r>
-              <a:rPr lang="en-US" altLang="ko-KR" b="1" dirty="0" smtClean="0"/>
-              <a:t>_</a:t>
-            </a:r>
-            <a:r>
-              <a:rPr lang="ko-KR" altLang="en-US" b="1" dirty="0" smtClean="0"/>
-              <a:t>두 </a:t>
-            </a:r>
-            <a:r>
-              <a:rPr lang="ko-KR" altLang="en-US" b="1" dirty="0"/>
-              <a:t>번째 기능</a:t>
-            </a:r>
-          </a:p>
-        </p:txBody>
-      </p:sp>
-      <p:pic>
-        <p:nvPicPr>
-          <p:cNvPr id="3" name="Picture 2"/>
-          <p:cNvPicPr>
-            <a:picLocks noChangeAspect="1" noChangeArrowheads="1"/>
-          </p:cNvPicPr>
-          <p:nvPr/>
-        </p:nvPicPr>
-        <p:blipFill>
-          <a:blip r:embed="rId3">
-            <a:extLst>
-              <a:ext uri="{28A0092B-C50C-407E-A947-70E740481C1C}">
-                <a14:useLocalDpi xmlns:a14="http://schemas.microsoft.com/office/drawing/2010/main" val="0"/>
-              </a:ext>
-            </a:extLst>
-          </a:blip>
-          <a:srcRect/>
-          <a:stretch>
-            <a:fillRect/>
-          </a:stretch>
-        </p:blipFill>
-        <p:spPr bwMode="auto">
-          <a:xfrm>
-            <a:off x="2555776" y="4365104"/>
-            <a:ext cx="4680520" cy="1395172"/>
-          </a:xfrm>
-          <a:prstGeom prst="rect">
-            <a:avLst/>
-          </a:prstGeom>
-          <a:noFill/>
-          <a:ln>
-            <a:noFill/>
-          </a:ln>
-          <a:extLst>
-            <a:ext uri="{909E8E84-426E-40DD-AFC4-6F175D3DCCD1}">
-              <a14:hiddenFill xmlns:a14="http://schemas.microsoft.com/office/drawing/2010/main">
-                <a:solidFill>
-                  <a:schemeClr val="accent1"/>
-                </a:solidFill>
-              </a14:hiddenFill>
-            </a:ext>
-            <a:ext uri="{91240B29-F687-4F45-9708-019B960494DF}">
-              <a14:hiddenLine xmlns:a14="http://schemas.microsoft.com/office/drawing/2010/main" w="9525">
-                <a:solidFill>
-                  <a:schemeClr val="tx1"/>
-                </a:solidFill>
-                <a:miter lim="800000"/>
-                <a:headEnd/>
-                <a:tailEnd/>
-              </a14:hiddenLine>
-            </a:ext>
-          </a:extLst>
-        </p:spPr>
-      </p:pic>
-      <p:pic>
-        <p:nvPicPr>
-          <p:cNvPr id="9" name="Picture 4"/>
-          <p:cNvPicPr>
-            <a:picLocks noChangeAspect="1" noChangeArrowheads="1"/>
-          </p:cNvPicPr>
-          <p:nvPr/>
-        </p:nvPicPr>
-        <p:blipFill rotWithShape="1">
-          <a:blip r:embed="rId2">
-            <a:extLst>
-              <a:ext uri="{28A0092B-C50C-407E-A947-70E740481C1C}">
-                <a14:useLocalDpi xmlns:a14="http://schemas.microsoft.com/office/drawing/2010/main" val="0"/>
-              </a:ext>
-            </a:extLst>
-          </a:blip>
-          <a:srcRect l="22901" t="73698" r="2342" b="6236"/>
-          <a:stretch/>
-        </p:blipFill>
-        <p:spPr bwMode="auto">
-          <a:xfrm>
-            <a:off x="2483768" y="5733256"/>
-            <a:ext cx="6032500" cy="1295400"/>
-          </a:xfrm>
-          <a:prstGeom prst="rect">
-            <a:avLst/>
-          </a:prstGeom>
-          <a:noFill/>
-          <a:ln>
-            <a:noFill/>
-          </a:ln>
-          <a:extLst>
-            <a:ext uri="{909E8E84-426E-40DD-AFC4-6F175D3DCCD1}">
-              <a14:hiddenFill xmlns:a14="http://schemas.microsoft.com/office/drawing/2010/main">
-                <a:solidFill>
-                  <a:schemeClr val="accent1"/>
-                </a:solidFill>
-              </a14:hiddenFill>
-            </a:ext>
-            <a:ext uri="{91240B29-F687-4F45-9708-019B960494DF}">
-              <a14:hiddenLine xmlns:a14="http://schemas.microsoft.com/office/drawing/2010/main" w="9525">
-                <a:solidFill>
-                  <a:schemeClr val="tx1"/>
-                </a:solidFill>
-                <a:miter lim="800000"/>
-                <a:headEnd/>
-                <a:tailEnd/>
-              </a14:hiddenLine>
-            </a:ext>
-          </a:extLst>
-        </p:spPr>
-      </p:pic>
-      <p:sp>
-        <p:nvSpPr>
-          <p:cNvPr id="5" name="TextBox 4"/>
-          <p:cNvSpPr txBox="1"/>
-          <p:nvPr/>
-        </p:nvSpPr>
-        <p:spPr>
-          <a:xfrm>
-            <a:off x="2522786" y="4295435"/>
-            <a:ext cx="4896544" cy="215444"/>
-          </a:xfrm>
-          <a:prstGeom prst="rect">
-            <a:avLst/>
-          </a:prstGeom>
-          <a:solidFill>
-            <a:schemeClr val="bg1"/>
-          </a:solidFill>
-        </p:spPr>
-        <p:txBody>
-          <a:bodyPr wrap="square" rtlCol="0">
-            <a:spAutoFit/>
-          </a:bodyPr>
-          <a:lstStyle/>
-          <a:p>
-            <a:r>
-              <a:rPr lang="ko-KR" altLang="en-US" sz="800" b="1" dirty="0" smtClean="0">
-                <a:solidFill>
-                  <a:schemeClr val="tx2"/>
-                </a:solidFill>
-              </a:rPr>
-              <a:t>이 도서를 구매한 다른 분들이 선택한 도서</a:t>
-            </a:r>
-            <a:endParaRPr lang="ko-KR" altLang="en-US" sz="800" b="1" dirty="0">
-              <a:solidFill>
-                <a:schemeClr val="tx2"/>
-              </a:solidFill>
-            </a:endParaRPr>
-          </a:p>
-        </p:txBody>
-      </p:sp>
-      <p:sp>
-        <p:nvSpPr>
-          <p:cNvPr id="13" name="직사각형 12"/>
-          <p:cNvSpPr/>
-          <p:nvPr/>
-        </p:nvSpPr>
-        <p:spPr>
-          <a:xfrm>
-            <a:off x="2483768" y="4194068"/>
-            <a:ext cx="4935562" cy="1611196"/>
-          </a:xfrm>
-          <a:prstGeom prst="rect">
-            <a:avLst/>
-          </a:prstGeom>
-          <a:noFill/>
-          <a:ln>
-            <a:solidFill>
-              <a:srgbClr val="C00000"/>
-            </a:solidFill>
-          </a:ln>
-        </p:spPr>
-        <p:style>
-          <a:lnRef idx="2">
-            <a:schemeClr val="accent1">
-              <a:shade val="50000"/>
-            </a:schemeClr>
-          </a:lnRef>
-          <a:fillRef idx="1">
-            <a:schemeClr val="accent1"/>
-          </a:fillRef>
-          <a:effectRef idx="0">
-            <a:schemeClr val="accent1"/>
-          </a:effectRef>
-          <a:fontRef idx="minor">
-            <a:schemeClr val="lt1"/>
-          </a:fontRef>
-        </p:style>
-        <p:txBody>
-          <a:bodyPr rtlCol="0" anchor="ctr"/>
-          <a:lstStyle/>
-          <a:p>
-            <a:pPr algn="ctr"/>
-            <a:endParaRPr lang="ko-KR" altLang="en-US"/>
-          </a:p>
-        </p:txBody>
-      </p:sp>
-      <p:sp>
-        <p:nvSpPr>
-          <p:cNvPr id="10" name="TextBox 9"/>
-          <p:cNvSpPr txBox="1"/>
-          <p:nvPr/>
-        </p:nvSpPr>
-        <p:spPr>
-          <a:xfrm rot="13948480">
-            <a:off x="4558915" y="520319"/>
-            <a:ext cx="1292662" cy="5688632"/>
-          </a:xfrm>
-          <a:prstGeom prst="rect">
-            <a:avLst/>
-          </a:prstGeom>
-          <a:noFill/>
-        </p:spPr>
-        <p:txBody>
-          <a:bodyPr vert="eaVert" wrap="square" rtlCol="0">
-            <a:spAutoFit/>
-          </a:bodyPr>
-          <a:lstStyle/>
-          <a:p>
-            <a:r>
-              <a:rPr lang="en-US" altLang="ko-KR" sz="7200" b="1" smtClean="0">
-                <a:solidFill>
-                  <a:srgbClr val="FF0000"/>
-                </a:solidFill>
-              </a:rPr>
-              <a:t>EXAMPLE</a:t>
-            </a:r>
-            <a:endParaRPr lang="ko-KR" altLang="en-US" sz="7200" b="1">
-              <a:solidFill>
-                <a:srgbClr val="FF0000"/>
-              </a:solidFill>
-            </a:endParaRPr>
-          </a:p>
-        </p:txBody>
-      </p:sp>
-    </p:spTree>
-    <p:extLst>
-      <p:ext uri="{BB962C8B-B14F-4D97-AF65-F5344CB8AC3E}">
-        <p14:creationId xmlns:p14="http://schemas.microsoft.com/office/powerpoint/2010/main" val="880152175"/>
-      </p:ext>
-    </p:extLst>
-  </p:cSld>
-  <p:clrMapOvr>
-    <a:masterClrMapping/>
-  </p:clrMapOvr>
-  <p:timing>
-    <p:tnLst>
-      <p:par>
-        <p:cTn id="1" dur="indefinite" restart="never" nodeType="tmRoot"/>
-      </p:par>
-    </p:tnLst>
-  </p:timing>
 </p:sld>
 </file>
 
